--- a/seminar/Seminar20230725.pptx
+++ b/seminar/Seminar20230725.pptx
@@ -165,6 +165,365 @@
 </p:cmAuthorLst>
 </file>
 
+<file path=ppt/revisionInfo.xml><?xml version="1.0" encoding="utf-8"?>
+<p1510:revInfo xmlns:a="http://schemas.openxmlformats.org/drawingml/2006/main" xmlns:r="http://schemas.openxmlformats.org/officeDocument/2006/relationships" xmlns:p1510="http://schemas.microsoft.com/office/powerpoint/2015/10/main">
+  <p1510:revLst>
+    <p1510:client id="{3C7A5927-6C94-414D-BE94-F14B65200D61}" v="1" dt="2023-08-01T06:27:33.955"/>
+  </p1510:revLst>
+</p1510:revInfo>
+</file>
+
+<file path=ppt/changesInfos/changesInfo1.xml><?xml version="1.0" encoding="utf-8"?>
+<pc:chgInfo xmlns:a="http://schemas.openxmlformats.org/drawingml/2006/main" xmlns:r="http://schemas.openxmlformats.org/officeDocument/2006/relationships" xmlns:ac="http://schemas.microsoft.com/office/drawing/2013/main/command" xmlns:pc="http://schemas.microsoft.com/office/powerpoint/2013/main/command">
+  <pc:docChgLst>
+    <pc:chgData name="yushintia pramitarini" userId="14f38507e07b6343" providerId="LiveId" clId="{3C7A5927-6C94-414D-BE94-F14B65200D61}"/>
+    <pc:docChg chg="undo custSel addSld delSld modSld">
+      <pc:chgData name="yushintia pramitarini" userId="14f38507e07b6343" providerId="LiveId" clId="{3C7A5927-6C94-414D-BE94-F14B65200D61}" dt="2023-08-01T06:47:38.956" v="1667" actId="20577"/>
+      <pc:docMkLst>
+        <pc:docMk/>
+      </pc:docMkLst>
+      <pc:sldChg chg="modSp mod">
+        <pc:chgData name="yushintia pramitarini" userId="14f38507e07b6343" providerId="LiveId" clId="{3C7A5927-6C94-414D-BE94-F14B65200D61}" dt="2023-08-01T06:16:46.594" v="857" actId="20577"/>
+        <pc:sldMkLst>
+          <pc:docMk/>
+          <pc:sldMk cId="2507156277" sldId="1129"/>
+        </pc:sldMkLst>
+        <pc:spChg chg="mod">
+          <ac:chgData name="yushintia pramitarini" userId="14f38507e07b6343" providerId="LiveId" clId="{3C7A5927-6C94-414D-BE94-F14B65200D61}" dt="2023-08-01T06:16:46.594" v="857" actId="20577"/>
+          <ac:spMkLst>
+            <pc:docMk/>
+            <pc:sldMk cId="2507156277" sldId="1129"/>
+            <ac:spMk id="8" creationId="{4D95F5D2-454D-D645-9C23-C9E200985B11}"/>
+          </ac:spMkLst>
+        </pc:spChg>
+      </pc:sldChg>
+      <pc:sldChg chg="modSp mod">
+        <pc:chgData name="yushintia pramitarini" userId="14f38507e07b6343" providerId="LiveId" clId="{3C7A5927-6C94-414D-BE94-F14B65200D61}" dt="2023-08-01T06:21:51.820" v="967" actId="1076"/>
+        <pc:sldMkLst>
+          <pc:docMk/>
+          <pc:sldMk cId="680393253" sldId="1192"/>
+        </pc:sldMkLst>
+        <pc:spChg chg="mod">
+          <ac:chgData name="yushintia pramitarini" userId="14f38507e07b6343" providerId="LiveId" clId="{3C7A5927-6C94-414D-BE94-F14B65200D61}" dt="2023-08-01T06:21:51.820" v="967" actId="1076"/>
+          <ac:spMkLst>
+            <pc:docMk/>
+            <pc:sldMk cId="680393253" sldId="1192"/>
+            <ac:spMk id="6" creationId="{72770E9D-46F7-D3FB-42C7-A98DB68B1296}"/>
+          </ac:spMkLst>
+        </pc:spChg>
+        <pc:graphicFrameChg chg="mod">
+          <ac:chgData name="yushintia pramitarini" userId="14f38507e07b6343" providerId="LiveId" clId="{3C7A5927-6C94-414D-BE94-F14B65200D61}" dt="2023-08-01T06:21:38.815" v="964" actId="1076"/>
+          <ac:graphicFrameMkLst>
+            <pc:docMk/>
+            <pc:sldMk cId="680393253" sldId="1192"/>
+            <ac:graphicFrameMk id="5" creationId="{48A04CCF-6FBF-F306-6976-541CBF90371D}"/>
+          </ac:graphicFrameMkLst>
+        </pc:graphicFrameChg>
+      </pc:sldChg>
+      <pc:sldChg chg="modSp mod">
+        <pc:chgData name="yushintia pramitarini" userId="14f38507e07b6343" providerId="LiveId" clId="{3C7A5927-6C94-414D-BE94-F14B65200D61}" dt="2023-08-01T06:18:13.695" v="902" actId="20577"/>
+        <pc:sldMkLst>
+          <pc:docMk/>
+          <pc:sldMk cId="3561425745" sldId="1193"/>
+        </pc:sldMkLst>
+        <pc:spChg chg="mod">
+          <ac:chgData name="yushintia pramitarini" userId="14f38507e07b6343" providerId="LiveId" clId="{3C7A5927-6C94-414D-BE94-F14B65200D61}" dt="2023-08-01T06:17:55.608" v="887" actId="20577"/>
+          <ac:spMkLst>
+            <pc:docMk/>
+            <pc:sldMk cId="3561425745" sldId="1193"/>
+            <ac:spMk id="7" creationId="{DC29CF18-9EE2-CE4C-88B0-71122F132879}"/>
+          </ac:spMkLst>
+        </pc:spChg>
+        <pc:spChg chg="mod">
+          <ac:chgData name="yushintia pramitarini" userId="14f38507e07b6343" providerId="LiveId" clId="{3C7A5927-6C94-414D-BE94-F14B65200D61}" dt="2023-08-01T06:18:13.695" v="902" actId="20577"/>
+          <ac:spMkLst>
+            <pc:docMk/>
+            <pc:sldMk cId="3561425745" sldId="1193"/>
+            <ac:spMk id="8" creationId="{4D95F5D2-454D-D645-9C23-C9E200985B11}"/>
+          </ac:spMkLst>
+        </pc:spChg>
+      </pc:sldChg>
+      <pc:sldChg chg="modSp mod">
+        <pc:chgData name="yushintia pramitarini" userId="14f38507e07b6343" providerId="LiveId" clId="{3C7A5927-6C94-414D-BE94-F14B65200D61}" dt="2023-08-01T06:47:38.956" v="1667" actId="20577"/>
+        <pc:sldMkLst>
+          <pc:docMk/>
+          <pc:sldMk cId="132469200" sldId="1196"/>
+        </pc:sldMkLst>
+        <pc:spChg chg="mod">
+          <ac:chgData name="yushintia pramitarini" userId="14f38507e07b6343" providerId="LiveId" clId="{3C7A5927-6C94-414D-BE94-F14B65200D61}" dt="2023-08-01T06:47:38.956" v="1667" actId="20577"/>
+          <ac:spMkLst>
+            <pc:docMk/>
+            <pc:sldMk cId="132469200" sldId="1196"/>
+            <ac:spMk id="6" creationId="{72770E9D-46F7-D3FB-42C7-A98DB68B1296}"/>
+          </ac:spMkLst>
+        </pc:spChg>
+      </pc:sldChg>
+      <pc:sldChg chg="modSp mod">
+        <pc:chgData name="yushintia pramitarini" userId="14f38507e07b6343" providerId="LiveId" clId="{3C7A5927-6C94-414D-BE94-F14B65200D61}" dt="2023-08-01T06:22:41.755" v="975" actId="1076"/>
+        <pc:sldMkLst>
+          <pc:docMk/>
+          <pc:sldMk cId="2154230752" sldId="1197"/>
+        </pc:sldMkLst>
+        <pc:picChg chg="mod">
+          <ac:chgData name="yushintia pramitarini" userId="14f38507e07b6343" providerId="LiveId" clId="{3C7A5927-6C94-414D-BE94-F14B65200D61}" dt="2023-08-01T06:22:41.755" v="975" actId="1076"/>
+          <ac:picMkLst>
+            <pc:docMk/>
+            <pc:sldMk cId="2154230752" sldId="1197"/>
+            <ac:picMk id="8" creationId="{72CEA330-7BF4-CF9F-B73F-9165D52AF0D1}"/>
+          </ac:picMkLst>
+        </pc:picChg>
+      </pc:sldChg>
+      <pc:sldChg chg="modSp mod">
+        <pc:chgData name="yushintia pramitarini" userId="14f38507e07b6343" providerId="LiveId" clId="{3C7A5927-6C94-414D-BE94-F14B65200D61}" dt="2023-08-01T06:26:00.572" v="1107" actId="20577"/>
+        <pc:sldMkLst>
+          <pc:docMk/>
+          <pc:sldMk cId="3864365498" sldId="1198"/>
+        </pc:sldMkLst>
+        <pc:spChg chg="mod">
+          <ac:chgData name="yushintia pramitarini" userId="14f38507e07b6343" providerId="LiveId" clId="{3C7A5927-6C94-414D-BE94-F14B65200D61}" dt="2023-08-01T06:26:00.572" v="1107" actId="20577"/>
+          <ac:spMkLst>
+            <pc:docMk/>
+            <pc:sldMk cId="3864365498" sldId="1198"/>
+            <ac:spMk id="5" creationId="{E1824611-147B-AD04-DFCD-31862C3C254C}"/>
+          </ac:spMkLst>
+        </pc:spChg>
+      </pc:sldChg>
+      <pc:sldChg chg="delSp modSp mod">
+        <pc:chgData name="yushintia pramitarini" userId="14f38507e07b6343" providerId="LiveId" clId="{3C7A5927-6C94-414D-BE94-F14B65200D61}" dt="2023-08-01T06:10:39.640" v="691" actId="478"/>
+        <pc:sldMkLst>
+          <pc:docMk/>
+          <pc:sldMk cId="4120111457" sldId="1199"/>
+        </pc:sldMkLst>
+        <pc:spChg chg="mod">
+          <ac:chgData name="yushintia pramitarini" userId="14f38507e07b6343" providerId="LiveId" clId="{3C7A5927-6C94-414D-BE94-F14B65200D61}" dt="2023-08-01T05:25:47.933" v="86" actId="20577"/>
+          <ac:spMkLst>
+            <pc:docMk/>
+            <pc:sldMk cId="4120111457" sldId="1199"/>
+            <ac:spMk id="2" creationId="{E4A81C48-004D-A18E-FC0F-389351FFD208}"/>
+          </ac:spMkLst>
+        </pc:spChg>
+        <pc:spChg chg="mod">
+          <ac:chgData name="yushintia pramitarini" userId="14f38507e07b6343" providerId="LiveId" clId="{3C7A5927-6C94-414D-BE94-F14B65200D61}" dt="2023-08-01T06:10:28.864" v="690" actId="20577"/>
+          <ac:spMkLst>
+            <pc:docMk/>
+            <pc:sldMk cId="4120111457" sldId="1199"/>
+            <ac:spMk id="5" creationId="{FA2754E9-7D41-02FB-9C14-7A4262F41BB9}"/>
+          </ac:spMkLst>
+        </pc:spChg>
+        <pc:spChg chg="del">
+          <ac:chgData name="yushintia pramitarini" userId="14f38507e07b6343" providerId="LiveId" clId="{3C7A5927-6C94-414D-BE94-F14B65200D61}" dt="2023-08-01T06:10:39.640" v="691" actId="478"/>
+          <ac:spMkLst>
+            <pc:docMk/>
+            <pc:sldMk cId="4120111457" sldId="1199"/>
+            <ac:spMk id="6" creationId="{4A631C1B-3468-A666-FE33-69C94E6CDDEB}"/>
+          </ac:spMkLst>
+        </pc:spChg>
+      </pc:sldChg>
+      <pc:sldChg chg="modSp mod">
+        <pc:chgData name="yushintia pramitarini" userId="14f38507e07b6343" providerId="LiveId" clId="{3C7A5927-6C94-414D-BE94-F14B65200D61}" dt="2023-08-01T05:37:36.256" v="119" actId="14100"/>
+        <pc:sldMkLst>
+          <pc:docMk/>
+          <pc:sldMk cId="4267406002" sldId="1200"/>
+        </pc:sldMkLst>
+        <pc:spChg chg="mod">
+          <ac:chgData name="yushintia pramitarini" userId="14f38507e07b6343" providerId="LiveId" clId="{3C7A5927-6C94-414D-BE94-F14B65200D61}" dt="2023-08-01T05:37:32.319" v="118" actId="1076"/>
+          <ac:spMkLst>
+            <pc:docMk/>
+            <pc:sldMk cId="4267406002" sldId="1200"/>
+            <ac:spMk id="6" creationId="{37D6C068-E56C-2D8A-B6BA-357C1633A63F}"/>
+          </ac:spMkLst>
+        </pc:spChg>
+        <pc:spChg chg="mod">
+          <ac:chgData name="yushintia pramitarini" userId="14f38507e07b6343" providerId="LiveId" clId="{3C7A5927-6C94-414D-BE94-F14B65200D61}" dt="2023-08-01T05:37:19.533" v="116" actId="13822"/>
+          <ac:spMkLst>
+            <pc:docMk/>
+            <pc:sldMk cId="4267406002" sldId="1200"/>
+            <ac:spMk id="7" creationId="{3AAD4B62-F16C-1A54-1162-0A1F290D7A65}"/>
+          </ac:spMkLst>
+        </pc:spChg>
+        <pc:cxnChg chg="mod">
+          <ac:chgData name="yushintia pramitarini" userId="14f38507e07b6343" providerId="LiveId" clId="{3C7A5927-6C94-414D-BE94-F14B65200D61}" dt="2023-08-01T05:37:36.256" v="119" actId="14100"/>
+          <ac:cxnSpMkLst>
+            <pc:docMk/>
+            <pc:sldMk cId="4267406002" sldId="1200"/>
+            <ac:cxnSpMk id="9" creationId="{0D76C46D-FE6A-EFC1-9685-19F891178B2D}"/>
+          </ac:cxnSpMkLst>
+        </pc:cxnChg>
+      </pc:sldChg>
+      <pc:sldChg chg="delSp modSp mod">
+        <pc:chgData name="yushintia pramitarini" userId="14f38507e07b6343" providerId="LiveId" clId="{3C7A5927-6C94-414D-BE94-F14B65200D61}" dt="2023-08-01T06:25:17.226" v="1104" actId="113"/>
+        <pc:sldMkLst>
+          <pc:docMk/>
+          <pc:sldMk cId="547634080" sldId="1202"/>
+        </pc:sldMkLst>
+        <pc:spChg chg="mod">
+          <ac:chgData name="yushintia pramitarini" userId="14f38507e07b6343" providerId="LiveId" clId="{3C7A5927-6C94-414D-BE94-F14B65200D61}" dt="2023-08-01T06:25:17.226" v="1104" actId="113"/>
+          <ac:spMkLst>
+            <pc:docMk/>
+            <pc:sldMk cId="547634080" sldId="1202"/>
+            <ac:spMk id="5" creationId="{FA2754E9-7D41-02FB-9C14-7A4262F41BB9}"/>
+          </ac:spMkLst>
+        </pc:spChg>
+        <pc:spChg chg="del">
+          <ac:chgData name="yushintia pramitarini" userId="14f38507e07b6343" providerId="LiveId" clId="{3C7A5927-6C94-414D-BE94-F14B65200D61}" dt="2023-08-01T06:23:05.722" v="977" actId="478"/>
+          <ac:spMkLst>
+            <pc:docMk/>
+            <pc:sldMk cId="547634080" sldId="1202"/>
+            <ac:spMk id="6" creationId="{4A631C1B-3468-A666-FE33-69C94E6CDDEB}"/>
+          </ac:spMkLst>
+        </pc:spChg>
+      </pc:sldChg>
+      <pc:sldChg chg="modSp mod">
+        <pc:chgData name="yushintia pramitarini" userId="14f38507e07b6343" providerId="LiveId" clId="{3C7A5927-6C94-414D-BE94-F14B65200D61}" dt="2023-08-01T06:34:28.965" v="1357" actId="20577"/>
+        <pc:sldMkLst>
+          <pc:docMk/>
+          <pc:sldMk cId="2779706778" sldId="1210"/>
+        </pc:sldMkLst>
+        <pc:spChg chg="mod">
+          <ac:chgData name="yushintia pramitarini" userId="14f38507e07b6343" providerId="LiveId" clId="{3C7A5927-6C94-414D-BE94-F14B65200D61}" dt="2023-08-01T06:34:28.965" v="1357" actId="20577"/>
+          <ac:spMkLst>
+            <pc:docMk/>
+            <pc:sldMk cId="2779706778" sldId="1210"/>
+            <ac:spMk id="2" creationId="{238797F5-C2A5-019B-C987-B7F56ECE65D1}"/>
+          </ac:spMkLst>
+        </pc:spChg>
+      </pc:sldChg>
+      <pc:sldChg chg="modSp mod">
+        <pc:chgData name="yushintia pramitarini" userId="14f38507e07b6343" providerId="LiveId" clId="{3C7A5927-6C94-414D-BE94-F14B65200D61}" dt="2023-08-01T05:38:51.569" v="128" actId="20577"/>
+        <pc:sldMkLst>
+          <pc:docMk/>
+          <pc:sldMk cId="793756171" sldId="1211"/>
+        </pc:sldMkLst>
+        <pc:spChg chg="mod">
+          <ac:chgData name="yushintia pramitarini" userId="14f38507e07b6343" providerId="LiveId" clId="{3C7A5927-6C94-414D-BE94-F14B65200D61}" dt="2023-08-01T05:38:51.569" v="128" actId="20577"/>
+          <ac:spMkLst>
+            <pc:docMk/>
+            <pc:sldMk cId="793756171" sldId="1211"/>
+            <ac:spMk id="5" creationId="{D1C7BDEB-2F86-FDC9-A2A0-228FBDCF7567}"/>
+          </ac:spMkLst>
+        </pc:spChg>
+      </pc:sldChg>
+      <pc:sldChg chg="modSp mod">
+        <pc:chgData name="yushintia pramitarini" userId="14f38507e07b6343" providerId="LiveId" clId="{3C7A5927-6C94-414D-BE94-F14B65200D61}" dt="2023-08-01T05:38:41.286" v="127" actId="20577"/>
+        <pc:sldMkLst>
+          <pc:docMk/>
+          <pc:sldMk cId="2878321984" sldId="1212"/>
+        </pc:sldMkLst>
+        <pc:spChg chg="mod">
+          <ac:chgData name="yushintia pramitarini" userId="14f38507e07b6343" providerId="LiveId" clId="{3C7A5927-6C94-414D-BE94-F14B65200D61}" dt="2023-08-01T05:38:41.286" v="127" actId="20577"/>
+          <ac:spMkLst>
+            <pc:docMk/>
+            <pc:sldMk cId="2878321984" sldId="1212"/>
+            <ac:spMk id="5" creationId="{D1C7BDEB-2F86-FDC9-A2A0-228FBDCF7567}"/>
+          </ac:spMkLst>
+        </pc:spChg>
+      </pc:sldChg>
+      <pc:sldChg chg="addSp modSp mod">
+        <pc:chgData name="yushintia pramitarini" userId="14f38507e07b6343" providerId="LiveId" clId="{3C7A5927-6C94-414D-BE94-F14B65200D61}" dt="2023-08-01T06:36:07.228" v="1401" actId="1076"/>
+        <pc:sldMkLst>
+          <pc:docMk/>
+          <pc:sldMk cId="2888870434" sldId="1213"/>
+        </pc:sldMkLst>
+        <pc:spChg chg="add mod">
+          <ac:chgData name="yushintia pramitarini" userId="14f38507e07b6343" providerId="LiveId" clId="{3C7A5927-6C94-414D-BE94-F14B65200D61}" dt="2023-08-01T06:35:57.327" v="1399" actId="1076"/>
+          <ac:spMkLst>
+            <pc:docMk/>
+            <pc:sldMk cId="2888870434" sldId="1213"/>
+            <ac:spMk id="5" creationId="{F66E964D-8C01-DE36-38B7-21FCEAA494E6}"/>
+          </ac:spMkLst>
+        </pc:spChg>
+        <pc:spChg chg="add mod">
+          <ac:chgData name="yushintia pramitarini" userId="14f38507e07b6343" providerId="LiveId" clId="{3C7A5927-6C94-414D-BE94-F14B65200D61}" dt="2023-08-01T06:35:52.670" v="1398" actId="1076"/>
+          <ac:spMkLst>
+            <pc:docMk/>
+            <pc:sldMk cId="2888870434" sldId="1213"/>
+            <ac:spMk id="8" creationId="{22DDA464-151F-8ED7-CBC9-8802C6D3B885}"/>
+          </ac:spMkLst>
+        </pc:spChg>
+        <pc:picChg chg="mod">
+          <ac:chgData name="yushintia pramitarini" userId="14f38507e07b6343" providerId="LiveId" clId="{3C7A5927-6C94-414D-BE94-F14B65200D61}" dt="2023-08-01T06:36:04.199" v="1400" actId="1076"/>
+          <ac:picMkLst>
+            <pc:docMk/>
+            <pc:sldMk cId="2888870434" sldId="1213"/>
+            <ac:picMk id="7" creationId="{5AAA527E-20BA-750B-17C8-E075CCC23200}"/>
+          </ac:picMkLst>
+        </pc:picChg>
+        <pc:picChg chg="mod">
+          <ac:chgData name="yushintia pramitarini" userId="14f38507e07b6343" providerId="LiveId" clId="{3C7A5927-6C94-414D-BE94-F14B65200D61}" dt="2023-08-01T06:36:07.228" v="1401" actId="1076"/>
+          <ac:picMkLst>
+            <pc:docMk/>
+            <pc:sldMk cId="2888870434" sldId="1213"/>
+            <ac:picMk id="9" creationId="{70E0DA29-796C-D8B8-4C12-A13A2F68C357}"/>
+          </ac:picMkLst>
+        </pc:picChg>
+      </pc:sldChg>
+      <pc:sldChg chg="modSp mod">
+        <pc:chgData name="yushintia pramitarini" userId="14f38507e07b6343" providerId="LiveId" clId="{3C7A5927-6C94-414D-BE94-F14B65200D61}" dt="2023-08-01T06:38:23.442" v="1414" actId="14100"/>
+        <pc:sldMkLst>
+          <pc:docMk/>
+          <pc:sldMk cId="1528051602" sldId="1215"/>
+        </pc:sldMkLst>
+        <pc:spChg chg="mod">
+          <ac:chgData name="yushintia pramitarini" userId="14f38507e07b6343" providerId="LiveId" clId="{3C7A5927-6C94-414D-BE94-F14B65200D61}" dt="2023-08-01T05:35:45.179" v="114" actId="20577"/>
+          <ac:spMkLst>
+            <pc:docMk/>
+            <pc:sldMk cId="1528051602" sldId="1215"/>
+            <ac:spMk id="2" creationId="{87101485-EA41-4723-3ADF-833D95899733}"/>
+          </ac:spMkLst>
+        </pc:spChg>
+        <pc:spChg chg="mod">
+          <ac:chgData name="yushintia pramitarini" userId="14f38507e07b6343" providerId="LiveId" clId="{3C7A5927-6C94-414D-BE94-F14B65200D61}" dt="2023-08-01T05:28:20.635" v="90" actId="948"/>
+          <ac:spMkLst>
+            <pc:docMk/>
+            <pc:sldMk cId="1528051602" sldId="1215"/>
+            <ac:spMk id="11" creationId="{BCC041E1-7139-6203-62DB-57F09BD8210C}"/>
+          </ac:spMkLst>
+        </pc:spChg>
+        <pc:spChg chg="mod">
+          <ac:chgData name="yushintia pramitarini" userId="14f38507e07b6343" providerId="LiveId" clId="{3C7A5927-6C94-414D-BE94-F14B65200D61}" dt="2023-08-01T06:37:45.674" v="1409" actId="1076"/>
+          <ac:spMkLst>
+            <pc:docMk/>
+            <pc:sldMk cId="1528051602" sldId="1215"/>
+            <ac:spMk id="14" creationId="{B579F488-3175-3B91-9B6F-3E531CADCD7A}"/>
+          </ac:spMkLst>
+        </pc:spChg>
+        <pc:picChg chg="mod">
+          <ac:chgData name="yushintia pramitarini" userId="14f38507e07b6343" providerId="LiveId" clId="{3C7A5927-6C94-414D-BE94-F14B65200D61}" dt="2023-08-01T06:37:40.848" v="1408" actId="1076"/>
+          <ac:picMkLst>
+            <pc:docMk/>
+            <pc:sldMk cId="1528051602" sldId="1215"/>
+            <ac:picMk id="9" creationId="{E5874C6A-7DF2-E772-D6E7-A0ABC80E6E53}"/>
+          </ac:picMkLst>
+        </pc:picChg>
+        <pc:cxnChg chg="mod">
+          <ac:chgData name="yushintia pramitarini" userId="14f38507e07b6343" providerId="LiveId" clId="{3C7A5927-6C94-414D-BE94-F14B65200D61}" dt="2023-08-01T06:38:23.442" v="1414" actId="14100"/>
+          <ac:cxnSpMkLst>
+            <pc:docMk/>
+            <pc:sldMk cId="1528051602" sldId="1215"/>
+            <ac:cxnSpMk id="13" creationId="{BB543E82-0205-9E65-8DA4-F41B93438982}"/>
+          </ac:cxnSpMkLst>
+        </pc:cxnChg>
+        <pc:cxnChg chg="mod">
+          <ac:chgData name="yushintia pramitarini" userId="14f38507e07b6343" providerId="LiveId" clId="{3C7A5927-6C94-414D-BE94-F14B65200D61}" dt="2023-08-01T06:37:52.551" v="1410" actId="14100"/>
+          <ac:cxnSpMkLst>
+            <pc:docMk/>
+            <pc:sldMk cId="1528051602" sldId="1215"/>
+            <ac:cxnSpMk id="16" creationId="{40CEE94F-3442-4513-3E17-710C3F68D055}"/>
+          </ac:cxnSpMkLst>
+        </pc:cxnChg>
+      </pc:sldChg>
+      <pc:sldChg chg="add del">
+        <pc:chgData name="yushintia pramitarini" userId="14f38507e07b6343" providerId="LiveId" clId="{3C7A5927-6C94-414D-BE94-F14B65200D61}" dt="2023-08-01T06:10:44.323" v="692" actId="2696"/>
+        <pc:sldMkLst>
+          <pc:docMk/>
+          <pc:sldMk cId="629393643" sldId="1216"/>
+        </pc:sldMkLst>
+      </pc:sldChg>
+    </pc:docChg>
+  </pc:docChgLst>
+</pc:chgInfo>
+</file>
+
 <file path=ppt/notesMasters/notesMaster1.xml><?xml version="1.0" encoding="utf-8"?>
 <p:notesMaster xmlns:a="http://schemas.openxmlformats.org/drawingml/2006/main" xmlns:r="http://schemas.openxmlformats.org/officeDocument/2006/relationships" xmlns:p="http://schemas.openxmlformats.org/presentationml/2006/main">
   <p:cSld>
@@ -247,7 +606,7 @@
           <a:p>
             <a:fld id="{1FE3E40D-13DD-4E12-82A9-B29F89B7AF4B}" type="datetimeFigureOut">
               <a:rPr lang="ko-KR" altLang="en-US" smtClean="0"/>
-              <a:t>2023. 7. 31.</a:t>
+              <a:t>2023. 8. 1.</a:t>
             </a:fld>
             <a:endParaRPr lang="ko-KR" altLang="en-US"/>
           </a:p>
@@ -2764,14 +3123,27 @@
         </p:nvSpPr>
         <p:spPr>
           <a:xfrm>
-            <a:off x="6143237" y="2211452"/>
+            <a:off x="6166131" y="3429000"/>
             <a:ext cx="2624187" cy="461665"/>
           </a:xfrm>
           <a:prstGeom prst="rect">
             <a:avLst/>
           </a:prstGeom>
-          <a:noFill/>
         </p:spPr>
+        <p:style>
+          <a:lnRef idx="2">
+            <a:schemeClr val="accent1"/>
+          </a:lnRef>
+          <a:fillRef idx="1">
+            <a:schemeClr val="lt1"/>
+          </a:fillRef>
+          <a:effectRef idx="0">
+            <a:schemeClr val="accent1"/>
+          </a:effectRef>
+          <a:fontRef idx="minor">
+            <a:schemeClr val="dk1"/>
+          </a:fontRef>
+        </p:style>
         <p:txBody>
           <a:bodyPr wrap="square" rtlCol="0">
             <a:spAutoFit/>
@@ -2818,8 +3190,21 @@
           <a:prstGeom prst="rect">
             <a:avLst/>
           </a:prstGeom>
-          <a:noFill/>
         </p:spPr>
+        <p:style>
+          <a:lnRef idx="2">
+            <a:schemeClr val="accent1"/>
+          </a:lnRef>
+          <a:fillRef idx="1">
+            <a:schemeClr val="lt1"/>
+          </a:fillRef>
+          <a:effectRef idx="0">
+            <a:schemeClr val="accent1"/>
+          </a:effectRef>
+          <a:fontRef idx="minor">
+            <a:schemeClr val="dk1"/>
+          </a:fontRef>
+        </p:style>
         <p:txBody>
           <a:bodyPr wrap="square" rtlCol="0">
             <a:spAutoFit/>
@@ -2858,8 +3243,8 @@
         </p:nvCxnSpPr>
         <p:spPr>
           <a:xfrm flipH="1">
-            <a:off x="4119154" y="2442285"/>
-            <a:ext cx="2024083" cy="1311109"/>
+            <a:off x="4065294" y="3659833"/>
+            <a:ext cx="2100837" cy="96778"/>
           </a:xfrm>
           <a:prstGeom prst="straightConnector1">
             <a:avLst/>
@@ -6499,7 +6884,23 @@
           <a:p>
             <a:r>
               <a:rPr lang="en-US" dirty="0"/>
-              <a:t>Add local function at </a:t>
+              <a:t>Call </a:t>
+            </a:r>
+            <a:r>
+              <a:rPr lang="en-US" dirty="0" err="1"/>
+              <a:t>vartype</a:t>
+            </a:r>
+            <a:r>
+              <a:rPr lang="en-US" dirty="0"/>
+              <a:t> conversion and load </a:t>
+            </a:r>
+            <a:r>
+              <a:rPr lang="en-US" dirty="0" err="1"/>
+              <a:t>SZ_Init</a:t>
+            </a:r>
+            <a:r>
+              <a:rPr lang="en-US" dirty="0"/>
+              <a:t> at </a:t>
             </a:r>
             <a:r>
               <a:rPr lang="en-US" dirty="0" err="1"/>
@@ -7357,14 +7758,14 @@
                 <a:latin typeface="Consolas" panose="020B0609020204030204" pitchFamily="49" charset="0"/>
                 <a:cs typeface="Consolas" panose="020B0609020204030204" pitchFamily="49" charset="0"/>
               </a:rPr>
-              <a:t>cd_nelmts,const</a:t>
-            </a:r>
-            <a:r>
-              <a:rPr lang="en-US" sz="1200" dirty="0">
-                <a:latin typeface="Consolas" panose="020B0609020204030204" pitchFamily="49" charset="0"/>
-                <a:cs typeface="Consolas" panose="020B0609020204030204" pitchFamily="49" charset="0"/>
-              </a:rPr>
-              <a:t> unsigned </a:t>
+              <a:t>cd_nelmts</a:t>
+            </a:r>
+            <a:r>
+              <a:rPr lang="en-US" sz="1200" dirty="0">
+                <a:latin typeface="Consolas" panose="020B0609020204030204" pitchFamily="49" charset="0"/>
+                <a:cs typeface="Consolas" panose="020B0609020204030204" pitchFamily="49" charset="0"/>
+              </a:rPr>
+              <a:t>, const unsigned </a:t>
             </a:r>
             <a:r>
               <a:rPr lang="en-US" sz="1200" dirty="0" err="1">
@@ -8480,14 +8881,14 @@
                 <a:latin typeface="Consolas" panose="020B0609020204030204" pitchFamily="49" charset="0"/>
                 <a:cs typeface="Consolas" panose="020B0609020204030204" pitchFamily="49" charset="0"/>
               </a:rPr>
-              <a:t>cd_nelmts,const</a:t>
-            </a:r>
-            <a:r>
-              <a:rPr lang="en-US" sz="1200" dirty="0">
-                <a:latin typeface="Consolas" panose="020B0609020204030204" pitchFamily="49" charset="0"/>
-                <a:cs typeface="Consolas" panose="020B0609020204030204" pitchFamily="49" charset="0"/>
-              </a:rPr>
-              <a:t> unsigned </a:t>
+              <a:t>cd_nelmts</a:t>
+            </a:r>
+            <a:r>
+              <a:rPr lang="en-US" sz="1200" dirty="0">
+                <a:latin typeface="Consolas" panose="020B0609020204030204" pitchFamily="49" charset="0"/>
+                <a:cs typeface="Consolas" panose="020B0609020204030204" pitchFamily="49" charset="0"/>
+              </a:rPr>
+              <a:t>, const unsigned </a:t>
             </a:r>
             <a:r>
               <a:rPr lang="en-US" sz="1200" dirty="0" err="1">
@@ -9275,7 +9676,7 @@
         <p:spPr>
           <a:xfrm>
             <a:off x="251520" y="1412776"/>
-            <a:ext cx="8640960" cy="5016758"/>
+            <a:ext cx="8640960" cy="5262979"/>
           </a:xfrm>
           <a:prstGeom prst="rect">
             <a:avLst/>
@@ -9288,27 +9689,27 @@
           </a:bodyPr>
           <a:lstStyle/>
           <a:p>
-            <a:pPr marL="285750" indent="-285750">
+            <a:pPr marL="285750" indent="-285750" latinLnBrk="0">
               <a:buFont typeface="Arial" panose="020B0604020202020204" pitchFamily="34" charset="0"/>
               <a:buChar char="•"/>
             </a:pPr>
             <a:r>
               <a:rPr lang="en-US" sz="1600" b="1" dirty="0"/>
-              <a:t>Approaches that can be used to implement SZ compression in XIOS</a:t>
-            </a:r>
-          </a:p>
-          <a:p>
-            <a:pPr marL="742950" lvl="1" indent="-285750">
+              <a:t>Approaches to implement SZ compression</a:t>
+            </a:r>
+          </a:p>
+          <a:p>
+            <a:pPr marL="742950" lvl="1" indent="-285750" latinLnBrk="0">
               <a:buFont typeface="Arial" panose="020B0604020202020204" pitchFamily="34" charset="0"/>
               <a:buChar char="•"/>
             </a:pPr>
             <a:r>
               <a:rPr lang="en-US" sz="1600" dirty="0"/>
-              <a:t>Implementation of SZ compression via SZ filter (current approach)</a:t>
-            </a:r>
-          </a:p>
-          <a:p>
-            <a:pPr marL="742950" lvl="1" indent="-285750">
+              <a:t>Implementation of SZ compression via SZ filter </a:t>
+            </a:r>
+          </a:p>
+          <a:p>
+            <a:pPr marL="742950" lvl="1" indent="-285750" latinLnBrk="0">
               <a:buFont typeface="Arial" panose="020B0604020202020204" pitchFamily="34" charset="0"/>
               <a:buChar char="•"/>
             </a:pPr>
@@ -9326,27 +9727,27 @@
             </a:r>
           </a:p>
           <a:p>
-            <a:pPr lvl="1"/>
+            <a:pPr lvl="1" latinLnBrk="0"/>
             <a:endParaRPr lang="en-US" sz="1600" dirty="0"/>
           </a:p>
           <a:p>
-            <a:pPr marL="285750" indent="-285750">
+            <a:pPr marL="285750" indent="-285750" latinLnBrk="0">
               <a:buFont typeface="Arial" panose="020B0604020202020204" pitchFamily="34" charset="0"/>
               <a:buChar char="•"/>
             </a:pPr>
             <a:r>
               <a:rPr lang="en-US" sz="1600" b="1" dirty="0"/>
-              <a:t>The current status implementation of SZ compression in XIOS via SZ filter</a:t>
-            </a:r>
-          </a:p>
-          <a:p>
-            <a:pPr marL="742950" lvl="1" indent="-285750">
+              <a:t>The implementation result of SZ compression in XIOS via SZ filter</a:t>
+            </a:r>
+          </a:p>
+          <a:p>
+            <a:pPr marL="742950" lvl="1" indent="-285750" latinLnBrk="0">
               <a:buFont typeface="Arial" panose="020B0604020202020204" pitchFamily="34" charset="0"/>
               <a:buChar char="•"/>
             </a:pPr>
             <a:r>
               <a:rPr lang="en-US" sz="1600" dirty="0"/>
-              <a:t>Code modification related to the integration of SZ filter to XIOS  that depends on the </a:t>
+              <a:t>Code modification in XIOS by plugging SZ filter to the </a:t>
             </a:r>
             <a:r>
               <a:rPr lang="en-US" sz="1600" dirty="0" err="1"/>
@@ -9354,7 +9755,7 @@
             </a:r>
             <a:r>
               <a:rPr lang="en-US" sz="1600" dirty="0"/>
-              <a:t> </a:t>
+              <a:t> function in </a:t>
             </a:r>
             <a:r>
               <a:rPr lang="en-US" sz="1600" dirty="0" err="1"/>
@@ -9362,72 +9763,72 @@
             </a:r>
             <a:r>
               <a:rPr lang="en-US" sz="1600" dirty="0"/>
-              <a:t> function has been conducted.</a:t>
-            </a:r>
-          </a:p>
-          <a:p>
-            <a:pPr marL="742950" lvl="1" indent="-285750">
+              <a:t> library has been conducted.</a:t>
+            </a:r>
+          </a:p>
+          <a:p>
+            <a:pPr marL="742950" lvl="1" indent="-285750" latinLnBrk="0">
               <a:buFont typeface="Arial" panose="020B0604020202020204" pitchFamily="34" charset="0"/>
               <a:buChar char="•"/>
             </a:pPr>
             <a:r>
               <a:rPr lang="en-US" sz="1600" dirty="0"/>
-              <a:t>There is an issue of segmentation fault with the SZ filter approach</a:t>
-            </a:r>
-          </a:p>
-          <a:p>
-            <a:pPr lvl="1"/>
+              <a:t>However, there is an issue of segmentation fault with the SZ filter approach</a:t>
+            </a:r>
+          </a:p>
+          <a:p>
+            <a:pPr lvl="1" latinLnBrk="0"/>
             <a:r>
               <a:rPr lang="en-US" sz="1600" dirty="0"/>
               <a:t>	</a:t>
             </a:r>
           </a:p>
           <a:p>
-            <a:pPr marL="285750" indent="-285750">
+            <a:pPr marL="285750" indent="-285750" latinLnBrk="0">
               <a:buFont typeface="Arial" panose="020B0604020202020204" pitchFamily="34" charset="0"/>
               <a:buChar char="•"/>
             </a:pPr>
             <a:r>
               <a:rPr lang="en-US" sz="1600" b="1" dirty="0"/>
-              <a:t>An alternative approach is being considered to perform SZ compression by modifying the netCDF4+HDF5 library.</a:t>
-            </a:r>
-          </a:p>
-          <a:p>
-            <a:pPr marL="742950" lvl="1" indent="-285750">
+              <a:t>An alternative approach to performing SZ compression is by modifying the netCDF4+HDF5 library.</a:t>
+            </a:r>
+          </a:p>
+          <a:p>
+            <a:pPr marL="742950" lvl="1" indent="-285750" latinLnBrk="0">
               <a:buFont typeface="Arial" panose="020B0604020202020204" pitchFamily="34" charset="0"/>
               <a:buChar char="•"/>
             </a:pPr>
             <a:r>
               <a:rPr lang="en-US" sz="1600" dirty="0"/>
-              <a:t>We analyze the needed code modification and represent it in flowcharts.</a:t>
-            </a:r>
-          </a:p>
-          <a:p>
-            <a:pPr marL="742950" lvl="1" indent="-285750">
+              <a:t>We analyze the needed code modification as shown in flowcharts (slide 7).</a:t>
+            </a:r>
+          </a:p>
+          <a:p>
+            <a:pPr marL="742950" lvl="1" indent="-285750" latinLnBrk="0">
               <a:buFont typeface="Arial" panose="020B0604020202020204" pitchFamily="34" charset="0"/>
               <a:buChar char="•"/>
             </a:pPr>
             <a:r>
               <a:rPr lang="en-US" sz="1600" dirty="0"/>
-              <a:t>The netCDF4 depends on the HDF5 library, so modification of both libraries is required to implement SZ compression.</a:t>
-            </a:r>
-          </a:p>
-          <a:p>
-            <a:pPr lvl="1"/>
+              <a:t>The netCDF4 compression depends on the HDF5 library. Thus, modification on both libraries is required to implement SZ compression.</a:t>
+            </a:r>
+          </a:p>
+          <a:p>
+            <a:pPr lvl="1" latinLnBrk="0"/>
             <a:endParaRPr lang="en-US" sz="1600" dirty="0"/>
           </a:p>
           <a:p>
-            <a:pPr marL="285750" indent="-285750">
+            <a:pPr marL="285750" indent="-285750" latinLnBrk="0">
               <a:buFont typeface="Arial" panose="020B0604020202020204" pitchFamily="34" charset="0"/>
               <a:buChar char="•"/>
             </a:pPr>
             <a:r>
               <a:rPr lang="en-US" sz="1600" b="1" dirty="0"/>
-              <a:t>The current status implementation of SZ compression in XIOS by modifying the netCDF4+HDF5 library</a:t>
-            </a:r>
-          </a:p>
-          <a:p>
-            <a:pPr marL="742950" lvl="1" indent="-285750">
+              <a:t>The progress of SZ compression by modifying the netCDF4+HDF5 library</a:t>
+            </a:r>
+          </a:p>
+          <a:p>
+            <a:pPr marL="742950" lvl="1" indent="-285750" latinLnBrk="0">
               <a:buFont typeface="Arial" panose="020B0604020202020204" pitchFamily="34" charset="0"/>
               <a:buChar char="•"/>
             </a:pPr>
@@ -9437,13 +9838,31 @@
             </a:r>
           </a:p>
           <a:p>
-            <a:pPr marL="742950" lvl="1" indent="-285750">
+            <a:pPr marL="742950" lvl="1" indent="-285750" latinLnBrk="0">
               <a:buFont typeface="Arial" panose="020B0604020202020204" pitchFamily="34" charset="0"/>
               <a:buChar char="•"/>
             </a:pPr>
             <a:r>
               <a:rPr lang="en-US" sz="1600" dirty="0"/>
-              <a:t>SZ compress process has been added to the HDF5 library</a:t>
+              <a:t>The SZ compress process has been added to the HDF5 library</a:t>
+            </a:r>
+          </a:p>
+          <a:p>
+            <a:pPr marL="742950" lvl="1" indent="-285750" latinLnBrk="0">
+              <a:buFont typeface="Arial" panose="020B0604020202020204" pitchFamily="34" charset="0"/>
+              <a:buChar char="•"/>
+            </a:pPr>
+            <a:r>
+              <a:rPr lang="en-US" sz="1600" dirty="0"/>
+              <a:t>The result is successful in the toy program. However, there is a </a:t>
+            </a:r>
+            <a:r>
+              <a:rPr lang="en-US" sz="1600" dirty="0" err="1"/>
+              <a:t>nc_close</a:t>
+            </a:r>
+            <a:r>
+              <a:rPr lang="en-US" sz="1600" dirty="0"/>
+              <a:t> function issue in XIOS call.</a:t>
             </a:r>
           </a:p>
         </p:txBody>
@@ -9588,7 +10007,7 @@
         </p:blipFill>
         <p:spPr>
           <a:xfrm>
-            <a:off x="618694" y="1726154"/>
+            <a:off x="560328" y="2029677"/>
             <a:ext cx="7772400" cy="1702846"/>
           </a:xfrm>
           <a:prstGeom prst="rect">
@@ -9624,7 +10043,7 @@
         </p:blipFill>
         <p:spPr>
           <a:xfrm>
-            <a:off x="649796" y="4534842"/>
+            <a:off x="649796" y="4625633"/>
             <a:ext cx="7772400" cy="1577618"/>
           </a:xfrm>
           <a:prstGeom prst="rect">
@@ -9632,6 +10051,96 @@
           </a:prstGeom>
         </p:spPr>
       </p:pic>
+      <p:sp>
+        <p:nvSpPr>
+          <p:cNvPr id="5" name="TextBox 4">
+            <a:extLst>
+              <a:ext uri="{FF2B5EF4-FFF2-40B4-BE49-F238E27FC236}">
+                <a16:creationId xmlns:a16="http://schemas.microsoft.com/office/drawing/2014/main" id="{F66E964D-8C01-DE36-38B7-21FCEAA494E6}"/>
+              </a:ext>
+            </a:extLst>
+          </p:cNvPr>
+          <p:cNvSpPr txBox="1"/>
+          <p:nvPr/>
+        </p:nvSpPr>
+        <p:spPr>
+          <a:xfrm>
+            <a:off x="251520" y="1326257"/>
+            <a:ext cx="8712968" cy="646331"/>
+          </a:xfrm>
+          <a:prstGeom prst="rect">
+            <a:avLst/>
+          </a:prstGeom>
+          <a:noFill/>
+        </p:spPr>
+        <p:txBody>
+          <a:bodyPr wrap="square" rtlCol="0">
+            <a:spAutoFit/>
+          </a:bodyPr>
+          <a:lstStyle/>
+          <a:p>
+            <a:r>
+              <a:rPr lang="en-US" dirty="0"/>
+              <a:t>Experiment in XIOS detach mode, NEMO_NPROCX=4, NEMO_NPROCY=2</a:t>
+            </a:r>
+          </a:p>
+          <a:p>
+            <a:r>
+              <a:rPr lang="en-US" dirty="0"/>
+              <a:t>Result: The experiments run indefinitely</a:t>
+            </a:r>
+          </a:p>
+        </p:txBody>
+      </p:sp>
+      <p:sp>
+        <p:nvSpPr>
+          <p:cNvPr id="8" name="TextBox 7">
+            <a:extLst>
+              <a:ext uri="{FF2B5EF4-FFF2-40B4-BE49-F238E27FC236}">
+                <a16:creationId xmlns:a16="http://schemas.microsoft.com/office/drawing/2014/main" id="{22DDA464-151F-8ED7-CBC9-8802C6D3B885}"/>
+              </a:ext>
+            </a:extLst>
+          </p:cNvPr>
+          <p:cNvSpPr txBox="1"/>
+          <p:nvPr/>
+        </p:nvSpPr>
+        <p:spPr>
+          <a:xfrm>
+            <a:off x="287524" y="3789612"/>
+            <a:ext cx="8640960" cy="646331"/>
+          </a:xfrm>
+          <a:prstGeom prst="rect">
+            <a:avLst/>
+          </a:prstGeom>
+          <a:noFill/>
+        </p:spPr>
+        <p:txBody>
+          <a:bodyPr wrap="square">
+            <a:spAutoFit/>
+          </a:bodyPr>
+          <a:lstStyle/>
+          <a:p>
+            <a:r>
+              <a:rPr lang="en-US" dirty="0"/>
+              <a:t>Experiment in XIOS attach mode, NEMO_NPROCX=4, NEMO_NPROCY=2</a:t>
+            </a:r>
+          </a:p>
+          <a:p>
+            <a:r>
+              <a:rPr lang="en-US" dirty="0"/>
+              <a:t>Result: There is issue in </a:t>
+            </a:r>
+            <a:r>
+              <a:rPr lang="en-US" dirty="0" err="1"/>
+              <a:t>nc_close</a:t>
+            </a:r>
+            <a:r>
+              <a:rPr lang="en-US" dirty="0"/>
+              <a:t> function</a:t>
+            </a:r>
+          </a:p>
+        </p:txBody>
+      </p:sp>
     </p:spTree>
     <p:extLst>
       <p:ext uri="{BB962C8B-B14F-4D97-AF65-F5344CB8AC3E}">
@@ -10362,9 +10871,10 @@
           <a:bodyPr/>
           <a:lstStyle/>
           <a:p>
+            <a:pPr latinLnBrk="0"/>
             <a:r>
               <a:rPr lang="en-US" dirty="0"/>
-              <a:t>No issues SZ Compression in Toy Program, the modification may have issues in XIOS because of the parallel environment, HDF5 API or multiple variables factor.</a:t>
+              <a:t>No issues for SZ Compression in Toy Program, but the modification have issues in XIOS because of the parallel environment, HDF5 API or multiple variables factor.</a:t>
             </a:r>
           </a:p>
         </p:txBody>
@@ -10572,6 +11082,7 @@
           </a:bodyPr>
           <a:lstStyle/>
           <a:p>
+            <a:pPr latinLnBrk="0"/>
             <a:r>
               <a:rPr lang="en-US" sz="1200" dirty="0">
                 <a:solidFill>
@@ -10624,16 +11135,20 @@
               </a:ext>
             </a:extLst>
           </p:cNvPr>
-          <p:cNvCxnSpPr/>
+          <p:cNvCxnSpPr>
+            <a:cxnSpLocks/>
+          </p:cNvCxnSpPr>
           <p:nvPr/>
         </p:nvCxnSpPr>
         <p:spPr>
-          <a:xfrm flipH="1">
-            <a:off x="2967487" y="4302927"/>
-            <a:ext cx="577970" cy="579624"/>
+          <a:xfrm rot="5400000">
+            <a:off x="2888792" y="4423224"/>
+            <a:ext cx="776963" cy="536368"/>
           </a:xfrm>
-          <a:prstGeom prst="straightConnector1">
-            <a:avLst/>
+          <a:prstGeom prst="bentConnector3">
+            <a:avLst>
+              <a:gd name="adj1" fmla="val 97576"/>
+            </a:avLst>
           </a:prstGeom>
           <a:ln>
             <a:tailEnd type="triangle"/>
@@ -10668,8 +11183,8 @@
         </p:nvSpPr>
         <p:spPr>
           <a:xfrm>
-            <a:off x="6280030" y="1951672"/>
-            <a:ext cx="2717321" cy="830997"/>
+            <a:off x="6391183" y="2533872"/>
+            <a:ext cx="2717321" cy="646331"/>
           </a:xfrm>
           <a:prstGeom prst="rect">
             <a:avLst/>
@@ -10690,6 +11205,7 @@
           </a:bodyPr>
           <a:lstStyle/>
           <a:p>
+            <a:pPr latinLnBrk="0"/>
             <a:r>
               <a:rPr lang="en-US" sz="1200" dirty="0">
                 <a:solidFill>
@@ -10730,18 +11246,6 @@
               </a:rPr>
               <a:t> will call the decompress when there is deflate metadata. </a:t>
             </a:r>
-            <a:br>
-              <a:rPr lang="en-US" sz="1200" dirty="0">
-                <a:solidFill>
-                  <a:schemeClr val="accent1"/>
-                </a:solidFill>
-              </a:rPr>
-            </a:br>
-            <a:endParaRPr lang="en-US" sz="1200" dirty="0">
-              <a:solidFill>
-                <a:schemeClr val="accent1"/>
-              </a:solidFill>
-            </a:endParaRPr>
           </a:p>
         </p:txBody>
       </p:sp>
@@ -10755,16 +11259,17 @@
             </a:extLst>
           </p:cNvPr>
           <p:cNvCxnSpPr>
+            <a:cxnSpLocks/>
             <a:stCxn id="14" idx="2"/>
           </p:cNvCxnSpPr>
           <p:nvPr/>
         </p:nvCxnSpPr>
         <p:spPr>
-          <a:xfrm flipH="1">
-            <a:off x="6055743" y="2782669"/>
-            <a:ext cx="1582948" cy="646331"/>
+          <a:xfrm rot="5400000">
+            <a:off x="6713604" y="2623279"/>
+            <a:ext cx="479317" cy="1593165"/>
           </a:xfrm>
-          <a:prstGeom prst="straightConnector1">
+          <a:prstGeom prst="bentConnector2">
             <a:avLst/>
           </a:prstGeom>
           <a:ln>
@@ -10838,7 +11343,7 @@
           <a:lstStyle/>
           <a:p>
             <a:r>
-              <a:rPr lang="en-US" sz="1800" dirty="0"/>
+              <a:rPr lang="en-US" sz="2400" dirty="0"/>
               <a:t>Conclusion</a:t>
             </a:r>
           </a:p>
@@ -10913,7 +11418,7 @@
         <p:spPr>
           <a:xfrm>
             <a:off x="736734" y="1573515"/>
-            <a:ext cx="7870785" cy="2031325"/>
+            <a:ext cx="7870785" cy="2585323"/>
           </a:xfrm>
           <a:prstGeom prst="rect">
             <a:avLst/>
@@ -10926,41 +11431,59 @@
           </a:bodyPr>
           <a:lstStyle/>
           <a:p>
-            <a:pPr marL="285750" indent="-285750">
+            <a:pPr marL="285750" indent="-285750" latinLnBrk="0">
               <a:buFont typeface="Arial" panose="020B0604020202020204" pitchFamily="34" charset="0"/>
               <a:buChar char="•"/>
             </a:pPr>
             <a:r>
               <a:rPr lang="en-US" dirty="0"/>
-              <a:t>The H5Z-SZ filter has been registered and integrated into the XIOS, but there is a segmentation fault as an unresolved issue.</a:t>
-            </a:r>
-          </a:p>
-          <a:p>
-            <a:pPr marL="285750" indent="-285750">
+              <a:t>The H5Z-SZ filter has been registered and integrated into the XIOS. However, there is a segmentation fault issue.</a:t>
+            </a:r>
+          </a:p>
+          <a:p>
+            <a:pPr marL="285750" indent="-285750" latinLnBrk="0">
               <a:buFont typeface="Arial" panose="020B0604020202020204" pitchFamily="34" charset="0"/>
               <a:buChar char="•"/>
             </a:pPr>
             <a:r>
               <a:rPr lang="en-US" dirty="0"/>
-              <a:t>An alternative approach is considered to perform SZ compression by modifying the </a:t>
-            </a:r>
-            <a:r>
-              <a:rPr lang="en-US" dirty="0" err="1"/>
-              <a:t>NetCDF</a:t>
-            </a:r>
-            <a:r>
-              <a:rPr lang="en-US" dirty="0"/>
-              <a:t> and HDF5 libraries.</a:t>
-            </a:r>
-          </a:p>
-          <a:p>
-            <a:pPr marL="285750" indent="-285750">
+              <a:t>An alternative approach is considered to perform SZ compression by modifying the netCDF4 and HDF5 libraries.</a:t>
+            </a:r>
+          </a:p>
+          <a:p>
+            <a:pPr marL="285750" indent="-285750" latinLnBrk="0">
               <a:buFont typeface="Arial" panose="020B0604020202020204" pitchFamily="34" charset="0"/>
               <a:buChar char="•"/>
             </a:pPr>
             <a:r>
               <a:rPr lang="en-US" dirty="0"/>
-              <a:t>The issue in XIOS when applying SZ compression may be related to the parallel environment, HDF5 API or multiple variables of </a:t>
+              <a:t>The experiment is successful in toy program with single variable. However, there is an </a:t>
+            </a:r>
+            <a:r>
+              <a:rPr lang="en-US" dirty="0" err="1"/>
+              <a:t>nc_close</a:t>
+            </a:r>
+            <a:r>
+              <a:rPr lang="en-US" dirty="0"/>
+              <a:t> function issue in XIOS.</a:t>
+            </a:r>
+          </a:p>
+          <a:p>
+            <a:pPr marL="285750" indent="-285750" latinLnBrk="0">
+              <a:buFont typeface="Arial" panose="020B0604020202020204" pitchFamily="34" charset="0"/>
+              <a:buChar char="•"/>
+            </a:pPr>
+            <a:r>
+              <a:rPr lang="en-US" dirty="0"/>
+              <a:t>The issue in </a:t>
+            </a:r>
+            <a:r>
+              <a:rPr lang="en-US"/>
+              <a:t>XIOS may </a:t>
+            </a:r>
+            <a:r>
+              <a:rPr lang="en-US" dirty="0"/>
+              <a:t>be related to the parallel environment, HDF5 API or multiple variables of </a:t>
             </a:r>
             <a:r>
               <a:rPr lang="en-US" dirty="0" err="1"/>
@@ -10972,7 +11495,7 @@
             </a:r>
           </a:p>
           <a:p>
-            <a:pPr marL="285750" indent="-285750">
+            <a:pPr marL="285750" indent="-285750" latinLnBrk="0">
               <a:buFont typeface="Arial" panose="020B0604020202020204" pitchFamily="34" charset="0"/>
               <a:buChar char="•"/>
             </a:pPr>
@@ -11133,12 +11656,8 @@
           <a:lstStyle/>
           <a:p>
             <a:r>
-              <a:rPr lang="en-US" sz="1800" dirty="0" err="1"/>
-              <a:t>Progres</a:t>
-            </a:r>
-            <a:r>
               <a:rPr lang="en-US" sz="1800" dirty="0"/>
-              <a:t> integration of the SZ Filter into XIOS</a:t>
+              <a:t>Progress in integration of the SZ Filter into XIOS</a:t>
             </a:r>
           </a:p>
         </p:txBody>
@@ -11212,7 +11731,7 @@
         <p:spPr>
           <a:xfrm>
             <a:off x="179512" y="1492370"/>
-            <a:ext cx="8712967" cy="3693319"/>
+            <a:ext cx="8712967" cy="4247317"/>
           </a:xfrm>
           <a:prstGeom prst="rect">
             <a:avLst/>
@@ -11225,7 +11744,7 @@
           </a:bodyPr>
           <a:lstStyle/>
           <a:p>
-            <a:pPr marL="342900" lvl="0" indent="-342900">
+            <a:pPr marL="342900" lvl="0" indent="-342900" latinLnBrk="0">
               <a:buFont typeface="+mj-lt"/>
               <a:buAutoNum type="arabicPeriod"/>
             </a:pPr>
@@ -11243,69 +11762,48 @@
             </a:r>
           </a:p>
           <a:p>
-            <a:pPr marL="742950" lvl="1" indent="-285750">
+            <a:pPr marL="742950" lvl="1" indent="-285750" latinLnBrk="0">
               <a:buFont typeface="Arial" panose="020B0604020202020204" pitchFamily="34" charset="0"/>
               <a:buChar char="•"/>
             </a:pPr>
             <a:r>
+              <a:rPr lang="en-US" dirty="0"/>
+              <a:t>Modify the ROSE configuration, '</a:t>
+            </a:r>
+            <a:r>
+              <a:rPr lang="en-US" b="1" dirty="0" err="1"/>
+              <a:t>suite.rc</a:t>
+            </a:r>
+            <a:r>
+              <a:rPr lang="en-US" dirty="0"/>
+              <a:t>', to link '</a:t>
+            </a:r>
+            <a:r>
+              <a:rPr lang="en-US" b="1" dirty="0" err="1"/>
+              <a:t>sz.config</a:t>
+            </a:r>
+            <a:r>
+              <a:rPr lang="en-US" dirty="0"/>
+              <a:t>' to the same directory as the model program (</a:t>
+            </a:r>
+            <a:r>
+              <a:rPr lang="en-US" b="1" dirty="0"/>
+              <a:t>ocean.exe</a:t>
+            </a:r>
+            <a:r>
+              <a:rPr lang="en-US" dirty="0"/>
+              <a:t>). </a:t>
+            </a:r>
+            <a:r>
               <a:rPr lang="en-US" dirty="0">
-                <a:solidFill>
-                  <a:schemeClr val="accent3"/>
-                </a:solidFill>
-              </a:rPr>
-              <a:t>Modified the ROSE configuration, '</a:t>
-            </a:r>
-            <a:r>
-              <a:rPr lang="en-US" b="1" dirty="0" err="1">
-                <a:solidFill>
-                  <a:schemeClr val="accent3"/>
-                </a:solidFill>
-              </a:rPr>
-              <a:t>suite.rc</a:t>
-            </a:r>
-            <a:r>
-              <a:rPr lang="en-US" dirty="0">
-                <a:solidFill>
-                  <a:schemeClr val="accent3"/>
-                </a:solidFill>
-              </a:rPr>
-              <a:t>', to link '</a:t>
-            </a:r>
-            <a:r>
-              <a:rPr lang="en-US" b="1" dirty="0" err="1">
-                <a:solidFill>
-                  <a:schemeClr val="accent3"/>
-                </a:solidFill>
-              </a:rPr>
-              <a:t>sz.config</a:t>
-            </a:r>
-            <a:r>
-              <a:rPr lang="en-US" dirty="0">
-                <a:solidFill>
-                  <a:schemeClr val="accent3"/>
-                </a:solidFill>
-              </a:rPr>
-              <a:t>' to the same directory as the model program (</a:t>
-            </a:r>
-            <a:r>
-              <a:rPr lang="en-US" b="1" dirty="0" err="1">
-                <a:solidFill>
-                  <a:schemeClr val="accent3"/>
-                </a:solidFill>
-              </a:rPr>
-              <a:t>ocean.exe</a:t>
-            </a:r>
-            <a:r>
-              <a:rPr lang="en-US" dirty="0">
-                <a:solidFill>
-                  <a:schemeClr val="accent3"/>
-                </a:solidFill>
-              </a:rPr>
-              <a:t>).</a:t>
-            </a:r>
-          </a:p>
-          <a:p>
-            <a:pPr marL="342900" lvl="0" indent="-342900">
+                <a:sym typeface="Wingdings" panose="05000000000000000000" pitchFamily="2" charset="2"/>
+              </a:rPr>
+              <a:t> Done</a:t>
+            </a:r>
+            <a:endParaRPr lang="en-US" dirty="0"/>
+          </a:p>
+          <a:p>
+            <a:pPr marL="342900" lvl="0" indent="-342900" latinLnBrk="0">
               <a:buFont typeface="+mj-lt"/>
               <a:buAutoNum type="arabicPeriod"/>
             </a:pPr>
@@ -11315,50 +11813,42 @@
             </a:r>
           </a:p>
           <a:p>
-            <a:pPr marL="742950" lvl="1" indent="-285750">
+            <a:pPr marL="742950" lvl="1" indent="-285750" latinLnBrk="0">
               <a:buFont typeface="Arial" panose="020B0604020202020204" pitchFamily="34" charset="0"/>
               <a:buChar char="•"/>
             </a:pPr>
             <a:r>
+              <a:rPr lang="en-US" dirty="0"/>
+              <a:t>Add export </a:t>
+            </a:r>
+            <a:r>
+              <a:rPr lang="en-US" b="1" dirty="0"/>
+              <a:t>HDF5_PLUGIN_PATH=$SZ_HOME/lib </a:t>
+            </a:r>
+            <a:r>
+              <a:rPr lang="en-US" b="0" dirty="0"/>
+              <a:t>into the ~/.</a:t>
+            </a:r>
+            <a:r>
+              <a:rPr lang="en-US" b="0" dirty="0" err="1"/>
+              <a:t>bash_profile</a:t>
+            </a:r>
+            <a:r>
+              <a:rPr lang="en-US" b="0" dirty="0">
+                <a:sym typeface="Wingdings" panose="05000000000000000000" pitchFamily="2" charset="2"/>
+              </a:rPr>
+              <a:t> </a:t>
+            </a:r>
+            <a:r>
               <a:rPr lang="en-US" dirty="0">
-                <a:solidFill>
-                  <a:schemeClr val="accent3"/>
-                </a:solidFill>
-              </a:rPr>
-              <a:t>Add export </a:t>
-            </a:r>
-            <a:r>
-              <a:rPr lang="en-US" b="1" dirty="0">
-                <a:solidFill>
-                  <a:schemeClr val="accent3"/>
-                </a:solidFill>
-              </a:rPr>
-              <a:t>HDF5_PLUGIN_PATH=$SZ_HOME/lib </a:t>
-            </a:r>
-            <a:r>
-              <a:rPr lang="en-US" b="0" dirty="0">
-                <a:solidFill>
-                  <a:schemeClr val="accent3"/>
-                </a:solidFill>
-              </a:rPr>
-              <a:t>into the ~/.</a:t>
-            </a:r>
-            <a:r>
-              <a:rPr lang="en-US" b="0" dirty="0" err="1">
-                <a:solidFill>
-                  <a:schemeClr val="accent3"/>
-                </a:solidFill>
-              </a:rPr>
-              <a:t>bash_profile</a:t>
-            </a:r>
-            <a:endParaRPr lang="en-US" b="0" dirty="0">
-              <a:solidFill>
-                <a:schemeClr val="accent3"/>
-              </a:solidFill>
-            </a:endParaRPr>
-          </a:p>
-          <a:p>
-            <a:pPr marL="342900" lvl="0" indent="-342900">
+                <a:sym typeface="Wingdings" panose="05000000000000000000" pitchFamily="2" charset="2"/>
+              </a:rPr>
+              <a:t>Done</a:t>
+            </a:r>
+            <a:endParaRPr lang="en-US" b="0" dirty="0"/>
+          </a:p>
+          <a:p>
+            <a:pPr marL="342900" lvl="0" indent="-342900" latinLnBrk="0">
               <a:buFont typeface="+mj-lt"/>
               <a:buAutoNum type="arabicPeriod"/>
             </a:pPr>
@@ -11368,85 +11858,56 @@
             </a:r>
           </a:p>
           <a:p>
-            <a:pPr marL="742950" lvl="1" indent="-285750">
+            <a:pPr marL="742950" lvl="1" indent="-285750" latinLnBrk="0">
               <a:buFont typeface="Arial" panose="020B0604020202020204" pitchFamily="34" charset="0"/>
               <a:buChar char="•"/>
             </a:pPr>
             <a:r>
+              <a:rPr lang="en-US" dirty="0"/>
+              <a:t>Add </a:t>
+            </a:r>
+            <a:r>
+              <a:rPr lang="en-US" b="1" dirty="0"/>
+              <a:t>-</a:t>
+            </a:r>
+            <a:r>
+              <a:rPr lang="en-US" b="1" dirty="0" err="1"/>
+              <a:t>lSZ</a:t>
+            </a:r>
+            <a:r>
+              <a:rPr lang="en-US" b="1" dirty="0"/>
+              <a:t> -</a:t>
+            </a:r>
+            <a:r>
+              <a:rPr lang="en-US" b="1" dirty="0" err="1"/>
+              <a:t>lzstd</a:t>
+            </a:r>
+            <a:r>
+              <a:rPr lang="en-US" b="1" dirty="0"/>
+              <a:t> -lhdf5sz</a:t>
+            </a:r>
+            <a:r>
+              <a:rPr lang="en-US" dirty="0"/>
+              <a:t> into </a:t>
+            </a:r>
+            <a:r>
+              <a:rPr lang="en-US" dirty="0" err="1"/>
+              <a:t>arch.path</a:t>
+            </a:r>
+            <a:r>
+              <a:rPr lang="en-US" dirty="0"/>
+              <a:t> in XIOS </a:t>
+            </a:r>
+            <a:r>
               <a:rPr lang="en-US" dirty="0">
-                <a:solidFill>
-                  <a:schemeClr val="accent3"/>
-                </a:solidFill>
-              </a:rPr>
-              <a:t>Add </a:t>
-            </a:r>
-            <a:r>
-              <a:rPr lang="en-US" b="1" dirty="0">
-                <a:solidFill>
-                  <a:schemeClr val="accent3"/>
-                </a:solidFill>
-              </a:rPr>
-              <a:t>-</a:t>
-            </a:r>
-            <a:r>
-              <a:rPr lang="en-US" b="1" dirty="0" err="1">
-                <a:solidFill>
-                  <a:schemeClr val="accent3"/>
-                </a:solidFill>
-              </a:rPr>
-              <a:t>lSZ</a:t>
-            </a:r>
-            <a:r>
-              <a:rPr lang="en-US" b="1" dirty="0">
-                <a:solidFill>
-                  <a:schemeClr val="accent3"/>
-                </a:solidFill>
-              </a:rPr>
-              <a:t> -</a:t>
-            </a:r>
-            <a:r>
-              <a:rPr lang="en-US" b="1" dirty="0" err="1">
-                <a:solidFill>
-                  <a:schemeClr val="accent3"/>
-                </a:solidFill>
-              </a:rPr>
-              <a:t>lzstd</a:t>
-            </a:r>
-            <a:r>
-              <a:rPr lang="en-US" b="1" dirty="0">
-                <a:solidFill>
-                  <a:schemeClr val="accent3"/>
-                </a:solidFill>
-              </a:rPr>
-              <a:t> -lhdf5sz</a:t>
-            </a:r>
-            <a:r>
-              <a:rPr lang="en-US" dirty="0">
-                <a:solidFill>
-                  <a:schemeClr val="accent3"/>
-                </a:solidFill>
-              </a:rPr>
-              <a:t> into </a:t>
-            </a:r>
-            <a:r>
-              <a:rPr lang="en-US" dirty="0" err="1">
-                <a:solidFill>
-                  <a:schemeClr val="accent3"/>
-                </a:solidFill>
-              </a:rPr>
-              <a:t>arch.path</a:t>
-            </a:r>
-            <a:r>
-              <a:rPr lang="en-US" dirty="0">
-                <a:solidFill>
-                  <a:schemeClr val="accent3"/>
-                </a:solidFill>
-              </a:rPr>
-              <a:t> in XIOS</a:t>
-            </a:r>
-          </a:p>
-          <a:p>
-            <a:pPr marL="342900" lvl="0" indent="-342900">
+                <a:sym typeface="Wingdings" panose="05000000000000000000" pitchFamily="2" charset="2"/>
+              </a:rPr>
+              <a:t> Done</a:t>
+            </a:r>
+            <a:endParaRPr lang="en-US" dirty="0"/>
+          </a:p>
+          <a:p>
+            <a:pPr marL="342900" lvl="0" indent="-342900" latinLnBrk="0">
               <a:buFont typeface="+mj-lt"/>
               <a:buAutoNum type="arabicPeriod"/>
             </a:pPr>
@@ -11456,239 +11917,97 @@
             </a:r>
           </a:p>
           <a:p>
-            <a:pPr marL="742950" lvl="1" indent="-285750">
+            <a:pPr marL="742950" lvl="1" indent="-285750" latinLnBrk="0">
               <a:buFont typeface="Arial" panose="020B0604020202020204" pitchFamily="34" charset="0"/>
               <a:buChar char="•"/>
             </a:pPr>
             <a:r>
+              <a:rPr lang="en-US" dirty="0"/>
+              <a:t>Adding the </a:t>
+            </a:r>
+            <a:r>
+              <a:rPr lang="en-US" b="1" dirty="0" err="1"/>
+              <a:t>nc_def_var_filter</a:t>
+            </a:r>
+            <a:r>
+              <a:rPr lang="en-US" b="1" dirty="0"/>
+              <a:t> </a:t>
+            </a:r>
+            <a:r>
+              <a:rPr lang="en-US" dirty="0"/>
+              <a:t>interface in </a:t>
+            </a:r>
+            <a:r>
+              <a:rPr lang="en-US" b="1" dirty="0" err="1"/>
+              <a:t>src</a:t>
+            </a:r>
+            <a:r>
+              <a:rPr lang="en-US" b="1" dirty="0"/>
+              <a:t>/io/netCDFInterface.cpp </a:t>
+            </a:r>
+            <a:r>
+              <a:rPr lang="en-US" b="1" dirty="0">
+                <a:sym typeface="Wingdings" panose="05000000000000000000" pitchFamily="2" charset="2"/>
+              </a:rPr>
+              <a:t> </a:t>
+            </a:r>
+            <a:r>
               <a:rPr lang="en-US" dirty="0">
-                <a:solidFill>
-                  <a:schemeClr val="accent2"/>
-                </a:solidFill>
-              </a:rPr>
-              <a:t>Adding the </a:t>
-            </a:r>
-            <a:r>
-              <a:rPr lang="en-US" b="1" dirty="0" err="1">
-                <a:solidFill>
-                  <a:schemeClr val="accent2"/>
-                </a:solidFill>
-              </a:rPr>
-              <a:t>nc_def_var_filter</a:t>
-            </a:r>
-            <a:r>
-              <a:rPr lang="en-US" b="1" dirty="0">
-                <a:solidFill>
-                  <a:schemeClr val="accent2"/>
-                </a:solidFill>
-              </a:rPr>
-              <a:t> </a:t>
-            </a:r>
-            <a:r>
-              <a:rPr lang="en-US" dirty="0">
-                <a:solidFill>
-                  <a:schemeClr val="accent2"/>
-                </a:solidFill>
-              </a:rPr>
-              <a:t>interface in </a:t>
-            </a:r>
-            <a:r>
-              <a:rPr lang="en-US" b="1" dirty="0" err="1">
-                <a:solidFill>
-                  <a:schemeClr val="accent2"/>
-                </a:solidFill>
-              </a:rPr>
-              <a:t>src</a:t>
-            </a:r>
-            <a:r>
-              <a:rPr lang="en-US" b="1" dirty="0">
-                <a:solidFill>
-                  <a:schemeClr val="accent2"/>
-                </a:solidFill>
-              </a:rPr>
-              <a:t>/io/</a:t>
-            </a:r>
-            <a:r>
-              <a:rPr lang="en-US" b="1" dirty="0" err="1">
-                <a:solidFill>
-                  <a:schemeClr val="accent2"/>
-                </a:solidFill>
-              </a:rPr>
-              <a:t>netCDFInterface.cpp</a:t>
-            </a:r>
-            <a:endParaRPr lang="en-US" dirty="0">
-              <a:solidFill>
-                <a:schemeClr val="accent2"/>
-              </a:solidFill>
-            </a:endParaRPr>
-          </a:p>
-          <a:p>
-            <a:pPr marL="742950" lvl="1" indent="-285750">
+                <a:sym typeface="Wingdings" panose="05000000000000000000" pitchFamily="2" charset="2"/>
+              </a:rPr>
+              <a:t>Current work</a:t>
+            </a:r>
+            <a:endParaRPr lang="en-US" dirty="0"/>
+          </a:p>
+          <a:p>
+            <a:pPr marL="742950" lvl="1" indent="-285750" latinLnBrk="0">
               <a:buFont typeface="Arial" panose="020B0604020202020204" pitchFamily="34" charset="0"/>
               <a:buChar char="•"/>
             </a:pPr>
             <a:r>
+              <a:rPr lang="en-US" dirty="0"/>
+              <a:t>Integrate the SZ filter in </a:t>
+            </a:r>
+            <a:r>
+              <a:rPr lang="en-US" dirty="0" err="1"/>
+              <a:t>src</a:t>
+            </a:r>
+            <a:r>
+              <a:rPr lang="en-US" dirty="0"/>
+              <a:t>/io/onetcdf.cpp </a:t>
+            </a:r>
+            <a:r>
               <a:rPr lang="en-US" dirty="0">
-                <a:solidFill>
-                  <a:schemeClr val="accent2"/>
-                </a:solidFill>
-              </a:rPr>
-              <a:t>Integrate the SZ filter in </a:t>
-            </a:r>
-            <a:r>
-              <a:rPr lang="en-US" dirty="0" err="1">
-                <a:solidFill>
-                  <a:schemeClr val="accent2"/>
-                </a:solidFill>
-              </a:rPr>
-              <a:t>src</a:t>
-            </a:r>
-            <a:r>
-              <a:rPr lang="en-US" dirty="0">
-                <a:solidFill>
-                  <a:schemeClr val="accent2"/>
-                </a:solidFill>
-              </a:rPr>
-              <a:t>/io/</a:t>
-            </a:r>
-            <a:r>
-              <a:rPr lang="en-US" dirty="0" err="1">
-                <a:solidFill>
-                  <a:schemeClr val="accent2"/>
-                </a:solidFill>
-              </a:rPr>
-              <a:t>onetcdf.cpp</a:t>
-            </a:r>
-            <a:endParaRPr lang="en-US" dirty="0">
-              <a:solidFill>
-                <a:schemeClr val="accent2"/>
-              </a:solidFill>
-            </a:endParaRPr>
-          </a:p>
-          <a:p>
-            <a:pPr marL="742950" lvl="1" indent="-285750">
+                <a:sym typeface="Wingdings" panose="05000000000000000000" pitchFamily="2" charset="2"/>
+              </a:rPr>
+              <a:t> Current work</a:t>
+            </a:r>
+            <a:endParaRPr lang="en-US" dirty="0"/>
+          </a:p>
+          <a:p>
+            <a:pPr marL="742950" lvl="1" indent="-285750" latinLnBrk="0">
               <a:buFont typeface="Arial" panose="020B0604020202020204" pitchFamily="34" charset="0"/>
               <a:buChar char="•"/>
             </a:pPr>
             <a:r>
+              <a:rPr lang="en-US" dirty="0"/>
+              <a:t>Add compression type SZ option in iodef.xml config parser </a:t>
+            </a:r>
+            <a:r>
               <a:rPr lang="en-US" dirty="0">
-                <a:solidFill>
-                  <a:schemeClr val="accent1"/>
-                </a:solidFill>
-              </a:rPr>
-              <a:t>Add compression type SZ option in </a:t>
-            </a:r>
-            <a:r>
-              <a:rPr lang="en-US" dirty="0" err="1">
-                <a:solidFill>
-                  <a:schemeClr val="accent1"/>
-                </a:solidFill>
-              </a:rPr>
-              <a:t>iodef.xml</a:t>
-            </a:r>
-            <a:r>
-              <a:rPr lang="en-US" dirty="0">
-                <a:solidFill>
-                  <a:schemeClr val="accent1"/>
-                </a:solidFill>
-              </a:rPr>
-              <a:t> config parser (</a:t>
-            </a:r>
-            <a:r>
-              <a:rPr lang="en-US" b="1" dirty="0">
-                <a:solidFill>
-                  <a:schemeClr val="accent1"/>
-                </a:solidFill>
-              </a:rPr>
-              <a:t>Future Plan </a:t>
-            </a:r>
-            <a:r>
-              <a:rPr lang="en-US" b="0" dirty="0">
-                <a:solidFill>
-                  <a:schemeClr val="accent1"/>
-                </a:solidFill>
-              </a:rPr>
-              <a:t>after resolving issue</a:t>
-            </a:r>
-            <a:r>
-              <a:rPr lang="en-US" dirty="0">
-                <a:solidFill>
-                  <a:schemeClr val="accent1"/>
-                </a:solidFill>
-              </a:rPr>
-              <a:t>)</a:t>
-            </a:r>
-          </a:p>
-        </p:txBody>
-      </p:sp>
-      <p:sp>
-        <p:nvSpPr>
-          <p:cNvPr id="6" name="TextBox 5">
-            <a:extLst>
-              <a:ext uri="{FF2B5EF4-FFF2-40B4-BE49-F238E27FC236}">
-                <a16:creationId xmlns:a16="http://schemas.microsoft.com/office/drawing/2014/main" id="{4A631C1B-3468-A666-FE33-69C94E6CDDEB}"/>
-              </a:ext>
-            </a:extLst>
-          </p:cNvPr>
-          <p:cNvSpPr txBox="1"/>
-          <p:nvPr/>
-        </p:nvSpPr>
-        <p:spPr>
-          <a:xfrm>
-            <a:off x="179512" y="5650795"/>
-            <a:ext cx="2945501" cy="738664"/>
-          </a:xfrm>
-          <a:prstGeom prst="rect">
-            <a:avLst/>
-          </a:prstGeom>
-          <a:noFill/>
-        </p:spPr>
-        <p:txBody>
-          <a:bodyPr wrap="square" rtlCol="0">
-            <a:spAutoFit/>
-          </a:bodyPr>
-          <a:lstStyle/>
-          <a:p>
-            <a:pPr marL="285750" indent="-285750">
-              <a:buFont typeface="Arial" panose="020B0604020202020204" pitchFamily="34" charset="0"/>
-              <a:buChar char="•"/>
-            </a:pPr>
-            <a:r>
-              <a:rPr lang="en-US" sz="1400" dirty="0">
-                <a:solidFill>
-                  <a:schemeClr val="accent3"/>
-                </a:solidFill>
-              </a:rPr>
-              <a:t>Done</a:t>
-            </a:r>
-          </a:p>
-          <a:p>
-            <a:pPr marL="285750" indent="-285750">
-              <a:buFont typeface="Arial" panose="020B0604020202020204" pitchFamily="34" charset="0"/>
-              <a:buChar char="•"/>
-            </a:pPr>
-            <a:r>
-              <a:rPr lang="en-US" sz="1400" dirty="0">
-                <a:solidFill>
-                  <a:schemeClr val="accent2"/>
-                </a:solidFill>
-              </a:rPr>
-              <a:t>Current status</a:t>
-            </a:r>
-          </a:p>
-          <a:p>
-            <a:pPr marL="285750" indent="-285750">
-              <a:buFont typeface="Arial" panose="020B0604020202020204" pitchFamily="34" charset="0"/>
-              <a:buChar char="•"/>
-            </a:pPr>
-            <a:r>
-              <a:rPr lang="en-US" sz="1400" dirty="0">
-                <a:solidFill>
-                  <a:schemeClr val="accent1"/>
-                </a:solidFill>
-              </a:rPr>
-              <a:t>Future Plan</a:t>
-            </a:r>
+                <a:sym typeface="Wingdings" panose="05000000000000000000" pitchFamily="2" charset="2"/>
+              </a:rPr>
+              <a:t> </a:t>
+            </a:r>
+            <a:r>
+              <a:rPr lang="en-US" dirty="0"/>
+              <a:t>Next work (</a:t>
+            </a:r>
+            <a:r>
+              <a:rPr lang="en-US" b="0" dirty="0"/>
+              <a:t>after resolving issue)</a:t>
+            </a:r>
+            <a:endParaRPr lang="en-US" dirty="0"/>
           </a:p>
         </p:txBody>
       </p:sp>
@@ -11924,7 +12243,7 @@
             </a:pPr>
             <a:r>
               <a:rPr lang="en-US" sz="1800" dirty="0"/>
-              <a:t>It is part of the SZ project</a:t>
+              <a:t>H5Z-SZ is part of the SZ compression project</a:t>
             </a:r>
           </a:p>
           <a:p>
@@ -11934,8 +12253,13 @@
             </a:pPr>
             <a:r>
               <a:rPr lang="en-US" sz="1800" dirty="0"/>
-              <a:t>Register the filter</a:t>
-            </a:r>
+              <a:t>SZ Filter can be registered by following code in ~/.</a:t>
+            </a:r>
+            <a:r>
+              <a:rPr lang="en-US" sz="1800" dirty="0" err="1"/>
+              <a:t>bash_profile</a:t>
+            </a:r>
+            <a:endParaRPr lang="en-US" sz="1800" dirty="0"/>
           </a:p>
           <a:p>
             <a:pPr marL="742950" lvl="2" indent="-342900" algn="just">
@@ -11954,7 +12278,7 @@
             </a:pPr>
             <a:r>
               <a:rPr lang="en-US" sz="1800" dirty="0"/>
-              <a:t>Run the test to ensure the filter has been registered</a:t>
+              <a:t>To ensure the filter has been registered, run the test.</a:t>
             </a:r>
           </a:p>
         </p:txBody>
@@ -12309,13 +12633,13 @@
             </a:lvl9pPr>
           </a:lstStyle>
           <a:p>
-            <a:pPr marL="342900" lvl="1" indent="-342900" algn="just">
+            <a:pPr marL="342900" lvl="1" indent="-342900" algn="just" latinLnBrk="0">
               <a:buFont typeface="Courier New" panose="02070309020205020404" pitchFamily="49" charset="0"/>
               <a:buChar char="o"/>
             </a:pPr>
             <a:r>
               <a:rPr lang="en-US" sz="1800" dirty="0"/>
-              <a:t>The XIOS call the </a:t>
+              <a:t>The XIOS calls the </a:t>
             </a:r>
             <a:r>
               <a:rPr lang="en-US" sz="1800" dirty="0" err="1"/>
@@ -12327,31 +12651,24 @@
             </a:r>
           </a:p>
           <a:p>
-            <a:pPr marL="342900" lvl="1" indent="-342900" algn="just">
+            <a:pPr marL="342900" lvl="1" indent="-342900" algn="just" latinLnBrk="0">
               <a:buFont typeface="Courier New" panose="02070309020205020404" pitchFamily="49" charset="0"/>
               <a:buChar char="o"/>
             </a:pPr>
             <a:r>
               <a:rPr lang="en-US" sz="1800" dirty="0"/>
-              <a:t>Level 0 means no compression applied to the variable</a:t>
-            </a:r>
-          </a:p>
-          <a:p>
-            <a:pPr marL="342900" lvl="1" indent="-342900" algn="just">
+              <a:t>Compression level 0 means no compression applied to the variable</a:t>
+            </a:r>
+          </a:p>
+          <a:p>
+            <a:pPr marL="342900" lvl="1" indent="-342900" algn="just" latinLnBrk="0">
               <a:buFont typeface="Courier New" panose="02070309020205020404" pitchFamily="49" charset="0"/>
               <a:buChar char="o"/>
             </a:pPr>
             <a:r>
               <a:rPr lang="en-US" sz="1800" dirty="0"/>
-              <a:t>The SZ filter will be applied on certain variables, conditional added before calling the SZ filter.</a:t>
-            </a:r>
-          </a:p>
-          <a:p>
-            <a:pPr marL="342900" lvl="1" indent="-342900" algn="just">
-              <a:buFont typeface="Courier New" panose="02070309020205020404" pitchFamily="49" charset="0"/>
-              <a:buChar char="o"/>
-            </a:pPr>
-            <a:endParaRPr lang="en-US" sz="1800" dirty="0"/>
+              <a:t>The SZ filter is applied on certain variables</a:t>
+            </a:r>
           </a:p>
         </p:txBody>
       </p:sp>
@@ -12410,7 +12727,7 @@
                 <a:latin typeface="+mn-ea"/>
                 <a:ea typeface="+mn-ea"/>
               </a:rPr>
-              <a:t>Updated the code when call the SZ filter</a:t>
+              <a:t>Code modification when the XIOS calls the SZ filter</a:t>
             </a:r>
             <a:endParaRPr lang="ko-KR" altLang="en-US" dirty="0">
               <a:solidFill>
@@ -13114,13 +13431,13 @@
           <p:nvPr>
             <p:extLst>
               <p:ext uri="{D42A27DB-BD31-4B8C-83A1-F6EECF244321}">
-                <p14:modId xmlns:p14="http://schemas.microsoft.com/office/powerpoint/2010/main" val="98901597"/>
+                <p14:modId xmlns:p14="http://schemas.microsoft.com/office/powerpoint/2010/main" val="3695296700"/>
               </p:ext>
             </p:extLst>
           </p:nvPr>
         </p:nvGraphicFramePr>
         <p:xfrm>
-          <a:off x="1178688" y="1613976"/>
+          <a:off x="1142684" y="2761344"/>
           <a:ext cx="6786623" cy="2225040"/>
         </p:xfrm>
         <a:graphic>
@@ -13440,7 +13757,7 @@
         </p:nvSpPr>
         <p:spPr>
           <a:xfrm>
-            <a:off x="439838" y="4259484"/>
+            <a:off x="824236" y="1839993"/>
             <a:ext cx="7870785" cy="646331"/>
           </a:xfrm>
           <a:prstGeom prst="rect">
@@ -13454,9 +13771,10 @@
           </a:bodyPr>
           <a:lstStyle/>
           <a:p>
+            <a:pPr latinLnBrk="0"/>
             <a:r>
               <a:rPr lang="en-US" dirty="0"/>
-              <a:t>The segmentation fault occurred in several SZ versions, evaluation for limitation of supported data is required.</a:t>
+              <a:t>One of reason the segmentation fault occurred may related with SZ versions.</a:t>
             </a:r>
           </a:p>
         </p:txBody>
@@ -13617,8 +13935,8 @@
         </p:blipFill>
         <p:spPr>
           <a:xfrm>
-            <a:off x="767751" y="1653709"/>
-            <a:ext cx="7772400" cy="4293843"/>
+            <a:off x="58139" y="1412776"/>
+            <a:ext cx="9071020" cy="5011263"/>
           </a:xfrm>
           <a:prstGeom prst="rect">
             <a:avLst/>
@@ -13752,7 +14070,7 @@
         <p:spPr>
           <a:xfrm>
             <a:off x="179512" y="1492370"/>
-            <a:ext cx="8712967" cy="3293209"/>
+            <a:ext cx="8712967" cy="3785652"/>
           </a:xfrm>
           <a:prstGeom prst="rect">
             <a:avLst/>
@@ -13765,7 +14083,7 @@
           </a:bodyPr>
           <a:lstStyle/>
           <a:p>
-            <a:pPr marL="342900" lvl="0" indent="-342900">
+            <a:pPr marL="342900" lvl="0" indent="-342900" latinLnBrk="0">
               <a:buFont typeface="+mj-lt"/>
               <a:buAutoNum type="arabicPeriod"/>
             </a:pPr>
@@ -13779,448 +14097,269 @@
             </a:r>
             <a:r>
               <a:rPr lang="en-US" sz="1600" dirty="0"/>
-              <a:t>` in the same directory as the program that uses the SZ API</a:t>
-            </a:r>
-          </a:p>
-          <a:p>
-            <a:pPr marL="742950" lvl="1" indent="-285750">
+              <a:t>` in the same directory as the program that uses the SZ API </a:t>
+            </a:r>
+            <a:r>
+              <a:rPr lang="en-US" sz="1600" dirty="0">
+                <a:sym typeface="Wingdings" panose="05000000000000000000" pitchFamily="2" charset="2"/>
+              </a:rPr>
+              <a:t> Done</a:t>
+            </a:r>
+            <a:endParaRPr lang="en-US" sz="1600" dirty="0"/>
+          </a:p>
+          <a:p>
+            <a:pPr marL="742950" lvl="1" indent="-285750" latinLnBrk="0">
               <a:buFont typeface="Arial" panose="020B0604020202020204" pitchFamily="34" charset="0"/>
               <a:buChar char="•"/>
             </a:pPr>
             <a:r>
-              <a:rPr lang="en-US" sz="1600" dirty="0">
-                <a:solidFill>
-                  <a:schemeClr val="accent3"/>
-                </a:solidFill>
-              </a:rPr>
+              <a:rPr lang="en-US" sz="1600" dirty="0"/>
               <a:t>Link `</a:t>
             </a:r>
             <a:r>
-              <a:rPr lang="en-US" sz="1600" dirty="0" err="1">
-                <a:solidFill>
-                  <a:schemeClr val="accent3"/>
-                </a:solidFill>
-              </a:rPr>
+              <a:rPr lang="en-US" sz="1600" dirty="0" err="1"/>
               <a:t>sz.config</a:t>
             </a:r>
             <a:r>
-              <a:rPr lang="en-US" sz="1600" dirty="0">
-                <a:solidFill>
-                  <a:schemeClr val="accent3"/>
-                </a:solidFill>
-              </a:rPr>
+              <a:rPr lang="en-US" sz="1600" dirty="0"/>
               <a:t>` to the same directory as the model program (</a:t>
             </a:r>
             <a:r>
-              <a:rPr lang="en-US" sz="1600" b="1" dirty="0" err="1">
-                <a:solidFill>
-                  <a:schemeClr val="accent3"/>
-                </a:solidFill>
-              </a:rPr>
+              <a:rPr lang="en-US" sz="1600" b="1" dirty="0" err="1"/>
               <a:t>ocean.exe</a:t>
             </a:r>
             <a:r>
-              <a:rPr lang="en-US" sz="1600" dirty="0">
-                <a:solidFill>
-                  <a:schemeClr val="accent3"/>
-                </a:solidFill>
-              </a:rPr>
+              <a:rPr lang="en-US" sz="1600" dirty="0"/>
               <a:t>)</a:t>
             </a:r>
           </a:p>
           <a:p>
-            <a:pPr marL="342900" lvl="0" indent="-342900">
+            <a:pPr marL="342900" indent="-342900" latinLnBrk="0">
               <a:buFont typeface="+mj-lt"/>
               <a:buAutoNum type="arabicPeriod"/>
             </a:pPr>
             <a:r>
               <a:rPr lang="en-US" sz="1600" dirty="0"/>
-              <a:t>Code modification in netCDF4:</a:t>
-            </a:r>
-          </a:p>
-          <a:p>
-            <a:pPr marL="800100" lvl="1" indent="-342900">
+              <a:t>Code modification in netCDF4: </a:t>
+            </a:r>
+            <a:r>
+              <a:rPr lang="en-US" sz="1600" dirty="0">
+                <a:sym typeface="Wingdings" panose="05000000000000000000" pitchFamily="2" charset="2"/>
+              </a:rPr>
+              <a:t> Done</a:t>
+            </a:r>
+            <a:endParaRPr lang="en-US" sz="1600" dirty="0"/>
+          </a:p>
+          <a:p>
+            <a:pPr marL="800100" lvl="1" indent="-342900" latinLnBrk="0">
               <a:buFont typeface="Arial" panose="020B0604020202020204" pitchFamily="34" charset="0"/>
               <a:buChar char="•"/>
             </a:pPr>
             <a:r>
-              <a:rPr lang="en-US" sz="1600" dirty="0">
-                <a:solidFill>
-                  <a:schemeClr val="accent3"/>
-                </a:solidFill>
-              </a:rPr>
+              <a:rPr lang="en-US" sz="1600" dirty="0"/>
               <a:t>Modify </a:t>
             </a:r>
             <a:r>
-              <a:rPr lang="en-US" sz="1600" b="1" dirty="0">
-                <a:solidFill>
-                  <a:schemeClr val="accent3"/>
-                </a:solidFill>
-              </a:rPr>
+              <a:rPr lang="en-US" sz="1600" b="1" dirty="0"/>
               <a:t>NC4_def_var_deflate </a:t>
             </a:r>
             <a:r>
-              <a:rPr lang="en-US" sz="1600" dirty="0">
-                <a:solidFill>
-                  <a:schemeClr val="accent3"/>
-                </a:solidFill>
-              </a:rPr>
+              <a:rPr lang="en-US" sz="1600" dirty="0"/>
               <a:t>function at </a:t>
             </a:r>
             <a:r>
-              <a:rPr lang="en-US" sz="1600" b="1" dirty="0">
-                <a:solidFill>
-                  <a:schemeClr val="accent3"/>
-                </a:solidFill>
-              </a:rPr>
+              <a:rPr lang="en-US" sz="1600" b="1" dirty="0"/>
               <a:t>libhdf5/hdf5var.c</a:t>
             </a:r>
           </a:p>
           <a:p>
-            <a:pPr marL="800100" lvl="1" indent="-342900">
+            <a:pPr marL="800100" lvl="1" indent="-342900" latinLnBrk="0">
               <a:buFont typeface="Arial" panose="020B0604020202020204" pitchFamily="34" charset="0"/>
               <a:buChar char="•"/>
             </a:pPr>
             <a:r>
-              <a:rPr lang="en-US" sz="1600" dirty="0">
-                <a:solidFill>
-                  <a:schemeClr val="accent3"/>
-                </a:solidFill>
-              </a:rPr>
+              <a:rPr lang="en-US" sz="1600" dirty="0"/>
               <a:t>Use </a:t>
             </a:r>
             <a:r>
-              <a:rPr lang="en-US" sz="1600" dirty="0" err="1">
-                <a:solidFill>
-                  <a:schemeClr val="accent3"/>
-                </a:solidFill>
-              </a:rPr>
+              <a:rPr lang="en-US" sz="1600" dirty="0" err="1"/>
               <a:t>nc_inq_vartype</a:t>
             </a:r>
             <a:r>
-              <a:rPr lang="en-US" sz="1600" dirty="0">
-                <a:solidFill>
-                  <a:schemeClr val="accent3"/>
-                </a:solidFill>
-              </a:rPr>
+              <a:rPr lang="en-US" sz="1600" dirty="0"/>
               <a:t> to retrieve variable type</a:t>
             </a:r>
           </a:p>
           <a:p>
-            <a:pPr marL="800100" lvl="1" indent="-342900">
+            <a:pPr marL="800100" lvl="1" indent="-342900" latinLnBrk="0">
               <a:buFont typeface="Arial" panose="020B0604020202020204" pitchFamily="34" charset="0"/>
               <a:buChar char="•"/>
             </a:pPr>
             <a:r>
-              <a:rPr lang="en-US" sz="1600" dirty="0">
-                <a:solidFill>
-                  <a:schemeClr val="accent3"/>
-                </a:solidFill>
-              </a:rPr>
+              <a:rPr lang="en-US" sz="1600" dirty="0"/>
               <a:t>Use </a:t>
             </a:r>
             <a:r>
-              <a:rPr lang="en-US" sz="1600" dirty="0" err="1">
-                <a:solidFill>
-                  <a:schemeClr val="accent3"/>
-                </a:solidFill>
-              </a:rPr>
+              <a:rPr lang="en-US" sz="1600" dirty="0" err="1"/>
               <a:t>nc_inq_varndims</a:t>
             </a:r>
             <a:r>
-              <a:rPr lang="en-US" sz="1600" dirty="0">
-                <a:solidFill>
-                  <a:schemeClr val="accent3"/>
-                </a:solidFill>
-              </a:rPr>
+              <a:rPr lang="en-US" sz="1600" dirty="0"/>
               <a:t> to retrieve variable dimensions</a:t>
             </a:r>
           </a:p>
           <a:p>
-            <a:pPr marL="800100" lvl="1" indent="-342900">
+            <a:pPr marL="800100" lvl="1" indent="-342900" latinLnBrk="0">
               <a:buFont typeface="Arial" panose="020B0604020202020204" pitchFamily="34" charset="0"/>
               <a:buChar char="•"/>
             </a:pPr>
             <a:r>
-              <a:rPr lang="en-US" sz="1600" dirty="0">
-                <a:solidFill>
-                  <a:schemeClr val="accent3"/>
-                </a:solidFill>
-              </a:rPr>
+              <a:rPr lang="en-US" sz="1600" dirty="0"/>
               <a:t>Use </a:t>
             </a:r>
             <a:r>
-              <a:rPr lang="en-US" sz="1600" dirty="0" err="1">
-                <a:solidFill>
-                  <a:schemeClr val="accent3"/>
-                </a:solidFill>
-              </a:rPr>
+              <a:rPr lang="en-US" sz="1600" dirty="0" err="1"/>
               <a:t>nc_inq_dimlen</a:t>
             </a:r>
             <a:r>
-              <a:rPr lang="en-US" sz="1600" dirty="0">
-                <a:solidFill>
-                  <a:schemeClr val="accent3"/>
-                </a:solidFill>
-              </a:rPr>
+              <a:rPr lang="en-US" sz="1600" dirty="0"/>
               <a:t> to retrieve dimensions length</a:t>
             </a:r>
           </a:p>
           <a:p>
-            <a:pPr marL="800100" lvl="1" indent="-342900">
+            <a:pPr marL="800100" lvl="1" indent="-342900" latinLnBrk="0">
               <a:buFont typeface="Arial" panose="020B0604020202020204" pitchFamily="34" charset="0"/>
               <a:buChar char="•"/>
             </a:pPr>
             <a:r>
-              <a:rPr lang="en-US" sz="1600" dirty="0">
-                <a:solidFill>
-                  <a:schemeClr val="accent3"/>
-                </a:solidFill>
-              </a:rPr>
+              <a:rPr lang="en-US" sz="1600" dirty="0"/>
               <a:t>Pass the params to </a:t>
             </a:r>
             <a:r>
-              <a:rPr lang="en-US" sz="1600" dirty="0" err="1">
-                <a:solidFill>
-                  <a:schemeClr val="accent3"/>
-                </a:solidFill>
-              </a:rPr>
+              <a:rPr lang="en-US" sz="1600" dirty="0" err="1"/>
               <a:t>nc_def_var_filter</a:t>
             </a:r>
             <a:r>
-              <a:rPr lang="en-US" sz="1600" dirty="0">
-                <a:solidFill>
-                  <a:schemeClr val="accent3"/>
-                </a:solidFill>
-              </a:rPr>
+              <a:rPr lang="en-US" sz="1600" dirty="0"/>
               <a:t>(</a:t>
             </a:r>
             <a:r>
-              <a:rPr lang="en-US" sz="1600" dirty="0" err="1">
-                <a:solidFill>
-                  <a:schemeClr val="accent3"/>
-                </a:solidFill>
-              </a:rPr>
+              <a:rPr lang="en-US" sz="1600" dirty="0" err="1"/>
               <a:t>ncid</a:t>
             </a:r>
             <a:r>
-              <a:rPr lang="en-US" sz="1600" dirty="0">
-                <a:solidFill>
-                  <a:schemeClr val="accent3"/>
-                </a:solidFill>
-              </a:rPr>
+              <a:rPr lang="en-US" sz="1600" dirty="0"/>
               <a:t>, </a:t>
             </a:r>
             <a:r>
-              <a:rPr lang="en-US" sz="1600" dirty="0" err="1">
-                <a:solidFill>
-                  <a:schemeClr val="accent3"/>
-                </a:solidFill>
-              </a:rPr>
+              <a:rPr lang="en-US" sz="1600" dirty="0" err="1"/>
               <a:t>varid</a:t>
             </a:r>
             <a:r>
-              <a:rPr lang="en-US" sz="1600" dirty="0">
-                <a:solidFill>
-                  <a:schemeClr val="accent3"/>
-                </a:solidFill>
-              </a:rPr>
+              <a:rPr lang="en-US" sz="1600" dirty="0"/>
               <a:t>, H5Z_FILTER_DEFLATE, 8, params)</a:t>
             </a:r>
           </a:p>
           <a:p>
-            <a:pPr marL="342900" lvl="0" indent="-342900">
+            <a:pPr marL="342900" indent="-342900" latinLnBrk="0">
               <a:buFont typeface="+mj-lt"/>
               <a:buAutoNum type="arabicPeriod"/>
             </a:pPr>
             <a:r>
               <a:rPr lang="en-US" sz="1600" dirty="0"/>
-              <a:t>Code modification in HDF5:</a:t>
-            </a:r>
-          </a:p>
-          <a:p>
-            <a:pPr marL="742950" lvl="1" indent="-285750">
+              <a:t>Code modification in HDF5: </a:t>
+            </a:r>
+            <a:r>
+              <a:rPr lang="en-US" sz="1600" dirty="0">
+                <a:sym typeface="Wingdings" panose="05000000000000000000" pitchFamily="2" charset="2"/>
+              </a:rPr>
+              <a:t> Done</a:t>
+            </a:r>
+            <a:endParaRPr lang="en-US" sz="1600" dirty="0"/>
+          </a:p>
+          <a:p>
+            <a:pPr marL="742950" lvl="1" indent="-285750" latinLnBrk="0">
               <a:buFont typeface="Arial" panose="020B0604020202020204" pitchFamily="34" charset="0"/>
               <a:buChar char="•"/>
             </a:pPr>
             <a:r>
-              <a:rPr lang="en-US" sz="1600" dirty="0">
-                <a:solidFill>
-                  <a:schemeClr val="accent3"/>
-                </a:solidFill>
-              </a:rPr>
+              <a:rPr lang="en-US" sz="1600" dirty="0"/>
               <a:t>Add local function to convert between netCDF4 and SZ variable type constants</a:t>
             </a:r>
           </a:p>
           <a:p>
-            <a:pPr marL="742950" lvl="1" indent="-285750">
+            <a:pPr marL="742950" lvl="1" indent="-285750" latinLnBrk="0">
               <a:buFont typeface="Arial" panose="020B0604020202020204" pitchFamily="34" charset="0"/>
               <a:buChar char="•"/>
             </a:pPr>
             <a:r>
-              <a:rPr lang="en-US" sz="1600" dirty="0">
-                <a:solidFill>
-                  <a:schemeClr val="accent3"/>
-                </a:solidFill>
-              </a:rPr>
+              <a:rPr lang="en-US" sz="1600" dirty="0"/>
               <a:t>Load </a:t>
             </a:r>
             <a:r>
-              <a:rPr lang="en-US" sz="1600" dirty="0" err="1">
-                <a:solidFill>
-                  <a:schemeClr val="accent3"/>
-                </a:solidFill>
-              </a:rPr>
+              <a:rPr lang="en-US" sz="1600" dirty="0" err="1"/>
               <a:t>sz.config</a:t>
             </a:r>
             <a:r>
-              <a:rPr lang="en-US" sz="1600" dirty="0">
-                <a:solidFill>
-                  <a:schemeClr val="accent3"/>
-                </a:solidFill>
-              </a:rPr>
+              <a:rPr lang="en-US" sz="1600" dirty="0"/>
               <a:t> from </a:t>
             </a:r>
             <a:r>
-              <a:rPr lang="en-US" sz="1600" b="1" dirty="0" err="1">
-                <a:solidFill>
-                  <a:schemeClr val="accent3"/>
-                </a:solidFill>
-              </a:rPr>
+              <a:rPr lang="en-US" sz="1600" b="1" dirty="0" err="1"/>
               <a:t>SZ_Init</a:t>
             </a:r>
             <a:r>
-              <a:rPr lang="en-US" sz="1600" b="1" dirty="0">
-                <a:solidFill>
-                  <a:schemeClr val="accent3"/>
-                </a:solidFill>
-              </a:rPr>
+              <a:rPr lang="en-US" sz="1600" b="1" dirty="0"/>
               <a:t> </a:t>
             </a:r>
             <a:r>
-              <a:rPr lang="en-US" sz="1600" dirty="0">
-                <a:solidFill>
-                  <a:schemeClr val="accent3"/>
-                </a:solidFill>
-              </a:rPr>
+              <a:rPr lang="en-US" sz="1600" dirty="0"/>
               <a:t>function</a:t>
             </a:r>
           </a:p>
           <a:p>
-            <a:pPr marL="742950" lvl="1" indent="-285750">
+            <a:pPr marL="742950" lvl="1" indent="-285750" latinLnBrk="0">
               <a:buFont typeface="Arial" panose="020B0604020202020204" pitchFamily="34" charset="0"/>
               <a:buChar char="•"/>
             </a:pPr>
             <a:r>
-              <a:rPr lang="en-US" sz="1600" dirty="0">
-                <a:solidFill>
-                  <a:schemeClr val="accent2"/>
-                </a:solidFill>
-              </a:rPr>
-              <a:t>Add compress/</a:t>
-            </a:r>
-            <a:r>
-              <a:rPr lang="en-US" sz="1600" dirty="0" err="1">
-                <a:solidFill>
-                  <a:schemeClr val="accent2"/>
-                </a:solidFill>
-              </a:rPr>
-              <a:t>uncompress</a:t>
-            </a:r>
-            <a:r>
-              <a:rPr lang="en-US" sz="1600" dirty="0">
-                <a:solidFill>
-                  <a:schemeClr val="accent2"/>
-                </a:solidFill>
-              </a:rPr>
-              <a:t> in H5Z_filter_deflate function at </a:t>
-            </a:r>
-            <a:r>
-              <a:rPr lang="en-US" sz="1600" b="1" dirty="0" err="1">
-                <a:solidFill>
-                  <a:schemeClr val="accent2"/>
-                </a:solidFill>
-              </a:rPr>
+              <a:rPr lang="en-US" sz="1600" dirty="0"/>
+              <a:t>Add compress/uncompress in H5Z_filter_deflate function at </a:t>
+            </a:r>
+            <a:r>
+              <a:rPr lang="en-US" sz="1600" b="1" dirty="0" err="1"/>
               <a:t>src</a:t>
             </a:r>
             <a:r>
-              <a:rPr lang="en-US" sz="1600" b="1" dirty="0">
-                <a:solidFill>
-                  <a:schemeClr val="accent2"/>
-                </a:solidFill>
-              </a:rPr>
-              <a:t>/H5Zdeflate.c</a:t>
-            </a:r>
-          </a:p>
-        </p:txBody>
-      </p:sp>
-      <p:sp>
-        <p:nvSpPr>
-          <p:cNvPr id="6" name="TextBox 5">
-            <a:extLst>
-              <a:ext uri="{FF2B5EF4-FFF2-40B4-BE49-F238E27FC236}">
-                <a16:creationId xmlns:a16="http://schemas.microsoft.com/office/drawing/2014/main" id="{4A631C1B-3468-A666-FE33-69C94E6CDDEB}"/>
-              </a:ext>
-            </a:extLst>
-          </p:cNvPr>
-          <p:cNvSpPr txBox="1"/>
-          <p:nvPr/>
-        </p:nvSpPr>
-        <p:spPr>
-          <a:xfrm>
-            <a:off x="179512" y="5739687"/>
-            <a:ext cx="2945501" cy="738664"/>
-          </a:xfrm>
-          <a:prstGeom prst="rect">
-            <a:avLst/>
-          </a:prstGeom>
-          <a:noFill/>
-        </p:spPr>
-        <p:txBody>
-          <a:bodyPr wrap="square" rtlCol="0">
-            <a:spAutoFit/>
-          </a:bodyPr>
-          <a:lstStyle/>
-          <a:p>
-            <a:pPr marL="285750" indent="-285750">
-              <a:buFont typeface="Arial" panose="020B0604020202020204" pitchFamily="34" charset="0"/>
-              <a:buChar char="•"/>
+              <a:rPr lang="en-US" sz="1600" b="1" dirty="0"/>
+              <a:t>/H5Zdeflate.c </a:t>
+            </a:r>
+            <a:r>
+              <a:rPr lang="en-US" sz="1600" dirty="0"/>
+              <a:t>when using the max </a:t>
+            </a:r>
+            <a:r>
+              <a:rPr lang="en-US" sz="1600"/>
+              <a:t>deflate level</a:t>
+            </a:r>
+            <a:endParaRPr lang="en-US" sz="1600" b="1" dirty="0"/>
+          </a:p>
+          <a:p>
+            <a:pPr marL="342900" indent="-342900" latinLnBrk="0">
+              <a:buFont typeface="+mj-lt"/>
+              <a:buAutoNum type="arabicPeriod"/>
             </a:pPr>
             <a:r>
-              <a:rPr lang="en-US" sz="1400" dirty="0">
-                <a:solidFill>
-                  <a:schemeClr val="accent3"/>
-                </a:solidFill>
-              </a:rPr>
-              <a:t>Done</a:t>
-            </a:r>
-          </a:p>
-          <a:p>
-            <a:pPr marL="285750" indent="-285750">
-              <a:buFont typeface="Arial" panose="020B0604020202020204" pitchFamily="34" charset="0"/>
-              <a:buChar char="•"/>
-            </a:pPr>
-            <a:r>
-              <a:rPr lang="en-US" sz="1400" dirty="0">
-                <a:solidFill>
-                  <a:schemeClr val="accent2"/>
-                </a:solidFill>
-              </a:rPr>
-              <a:t>Current status</a:t>
-            </a:r>
-          </a:p>
-          <a:p>
-            <a:pPr marL="285750" indent="-285750">
-              <a:buFont typeface="Arial" panose="020B0604020202020204" pitchFamily="34" charset="0"/>
-              <a:buChar char="•"/>
-            </a:pPr>
-            <a:r>
-              <a:rPr lang="en-US" sz="1400" dirty="0">
-                <a:solidFill>
-                  <a:schemeClr val="accent1"/>
-                </a:solidFill>
-              </a:rPr>
-              <a:t>Future Plan</a:t>
+              <a:rPr lang="en-US" sz="1600" dirty="0"/>
+              <a:t>However, there is an </a:t>
+            </a:r>
+            <a:r>
+              <a:rPr lang="en-US" sz="1600" dirty="0" err="1"/>
+              <a:t>nc_close</a:t>
+            </a:r>
+            <a:r>
+              <a:rPr lang="en-US" sz="1600" dirty="0"/>
+              <a:t> issue when running the modified code in XIOS.</a:t>
             </a:r>
           </a:p>
         </p:txBody>
